--- a/Non-Compensatory Psychological Models for Recommender Systems.pptx
+++ b/Non-Compensatory Psychological Models for Recommender Systems.pptx
@@ -4,8 +4,19 @@
   <p:sldMasterIdLst>
     <p:sldMasterId id="2147483648" r:id="rId1"/>
   </p:sldMasterIdLst>
+  <p:notesMasterIdLst>
+    <p:notesMasterId r:id="rId11"/>
+  </p:notesMasterIdLst>
   <p:sldIdLst>
     <p:sldId id="256" r:id="rId2"/>
+    <p:sldId id="257" r:id="rId3"/>
+    <p:sldId id="258" r:id="rId4"/>
+    <p:sldId id="260" r:id="rId5"/>
+    <p:sldId id="261" r:id="rId6"/>
+    <p:sldId id="263" r:id="rId7"/>
+    <p:sldId id="264" r:id="rId8"/>
+    <p:sldId id="265" r:id="rId9"/>
+    <p:sldId id="259" r:id="rId10"/>
   </p:sldIdLst>
   <p:sldSz cx="9144000" cy="6858000" type="screen4x3"/>
   <p:notesSz cx="6858000" cy="9144000"/>
@@ -104,7 +115,456 @@
       </a:defRPr>
     </a:lvl9pPr>
   </p:defaultTextStyle>
+  <p:extLst>
+    <p:ext uri="{EFAFB233-063F-42B5-8137-9DF3F51BA10A}">
+      <p15:sldGuideLst xmlns:p15="http://schemas.microsoft.com/office/powerpoint/2012/main">
+        <p15:guide id="1" orient="horz" pos="2160">
+          <p15:clr>
+            <a:srgbClr val="A4A3A4"/>
+          </p15:clr>
+        </p15:guide>
+        <p15:guide id="2" pos="2880">
+          <p15:clr>
+            <a:srgbClr val="A4A3A4"/>
+          </p15:clr>
+        </p15:guide>
+      </p15:sldGuideLst>
+    </p:ext>
+  </p:extLst>
 </p:presentation>
+</file>
+
+<file path=ppt/notesMasters/notesMaster1.xml><?xml version="1.0" encoding="utf-8"?>
+<p:notesMaster xmlns:a="http://schemas.openxmlformats.org/drawingml/2006/main" xmlns:r="http://schemas.openxmlformats.org/officeDocument/2006/relationships" xmlns:p="http://schemas.openxmlformats.org/presentationml/2006/main">
+  <p:cSld>
+    <p:bg>
+      <p:bgRef idx="1001">
+        <a:schemeClr val="bg1"/>
+      </p:bgRef>
+    </p:bg>
+    <p:spTree>
+      <p:nvGrpSpPr>
+        <p:cNvPr id="1" name=""/>
+        <p:cNvGrpSpPr/>
+        <p:nvPr/>
+      </p:nvGrpSpPr>
+      <p:grpSpPr>
+        <a:xfrm>
+          <a:off x="0" y="0"/>
+          <a:ext cx="0" cy="0"/>
+          <a:chOff x="0" y="0"/>
+          <a:chExt cx="0" cy="0"/>
+        </a:xfrm>
+      </p:grpSpPr>
+      <p:sp>
+        <p:nvSpPr>
+          <p:cNvPr id="2" name="Header Placeholder 1"/>
+          <p:cNvSpPr>
+            <a:spLocks noGrp="1"/>
+          </p:cNvSpPr>
+          <p:nvPr>
+            <p:ph type="hdr" sz="quarter"/>
+          </p:nvPr>
+        </p:nvSpPr>
+        <p:spPr>
+          <a:xfrm>
+            <a:off x="0" y="0"/>
+            <a:ext cx="2971800" cy="458788"/>
+          </a:xfrm>
+          <a:prstGeom prst="rect">
+            <a:avLst/>
+          </a:prstGeom>
+        </p:spPr>
+        <p:txBody>
+          <a:bodyPr vert="horz" lIns="91440" tIns="45720" rIns="91440" bIns="45720" rtlCol="0"/>
+          <a:lstStyle>
+            <a:lvl1pPr algn="l">
+              <a:defRPr sz="1200"/>
+            </a:lvl1pPr>
+          </a:lstStyle>
+          <a:p>
+            <a:endParaRPr lang="en-US"/>
+          </a:p>
+        </p:txBody>
+      </p:sp>
+      <p:sp>
+        <p:nvSpPr>
+          <p:cNvPr id="3" name="Date Placeholder 2"/>
+          <p:cNvSpPr>
+            <a:spLocks noGrp="1"/>
+          </p:cNvSpPr>
+          <p:nvPr>
+            <p:ph type="dt" idx="1"/>
+          </p:nvPr>
+        </p:nvSpPr>
+        <p:spPr>
+          <a:xfrm>
+            <a:off x="3884613" y="0"/>
+            <a:ext cx="2971800" cy="458788"/>
+          </a:xfrm>
+          <a:prstGeom prst="rect">
+            <a:avLst/>
+          </a:prstGeom>
+        </p:spPr>
+        <p:txBody>
+          <a:bodyPr vert="horz" lIns="91440" tIns="45720" rIns="91440" bIns="45720" rtlCol="0"/>
+          <a:lstStyle>
+            <a:lvl1pPr algn="r">
+              <a:defRPr sz="1200"/>
+            </a:lvl1pPr>
+          </a:lstStyle>
+          <a:p>
+            <a:fld id="{CBF3DCA9-65FB-5D41-8BD4-4A33E555C001}" type="datetimeFigureOut">
+              <a:rPr lang="en-US" smtClean="0"/>
+              <a:t>11/14/18</a:t>
+            </a:fld>
+            <a:endParaRPr lang="en-US"/>
+          </a:p>
+        </p:txBody>
+      </p:sp>
+      <p:sp>
+        <p:nvSpPr>
+          <p:cNvPr id="4" name="Slide Image Placeholder 3"/>
+          <p:cNvSpPr>
+            <a:spLocks noGrp="1" noRot="1" noChangeAspect="1"/>
+          </p:cNvSpPr>
+          <p:nvPr>
+            <p:ph type="sldImg" idx="2"/>
+          </p:nvPr>
+        </p:nvSpPr>
+        <p:spPr>
+          <a:xfrm>
+            <a:off x="1371600" y="1143000"/>
+            <a:ext cx="4114800" cy="3086100"/>
+          </a:xfrm>
+          <a:prstGeom prst="rect">
+            <a:avLst/>
+          </a:prstGeom>
+          <a:noFill/>
+          <a:ln w="12700">
+            <a:solidFill>
+              <a:prstClr val="black"/>
+            </a:solidFill>
+          </a:ln>
+        </p:spPr>
+        <p:txBody>
+          <a:bodyPr vert="horz" lIns="91440" tIns="45720" rIns="91440" bIns="45720" rtlCol="0" anchor="ctr"/>
+          <a:lstStyle/>
+          <a:p>
+            <a:endParaRPr lang="en-US"/>
+          </a:p>
+        </p:txBody>
+      </p:sp>
+      <p:sp>
+        <p:nvSpPr>
+          <p:cNvPr id="5" name="Notes Placeholder 4"/>
+          <p:cNvSpPr>
+            <a:spLocks noGrp="1"/>
+          </p:cNvSpPr>
+          <p:nvPr>
+            <p:ph type="body" sz="quarter" idx="3"/>
+          </p:nvPr>
+        </p:nvSpPr>
+        <p:spPr>
+          <a:xfrm>
+            <a:off x="685800" y="4400550"/>
+            <a:ext cx="5486400" cy="3600450"/>
+          </a:xfrm>
+          <a:prstGeom prst="rect">
+            <a:avLst/>
+          </a:prstGeom>
+        </p:spPr>
+        <p:txBody>
+          <a:bodyPr vert="horz" lIns="91440" tIns="45720" rIns="91440" bIns="45720" rtlCol="0"/>
+          <a:lstStyle/>
+          <a:p>
+            <a:pPr lvl="0"/>
+            <a:r>
+              <a:rPr lang="en-US"/>
+              <a:t>Edit Master text styles</a:t>
+            </a:r>
+          </a:p>
+          <a:p>
+            <a:pPr lvl="1"/>
+            <a:r>
+              <a:rPr lang="en-US"/>
+              <a:t>Second level</a:t>
+            </a:r>
+          </a:p>
+          <a:p>
+            <a:pPr lvl="2"/>
+            <a:r>
+              <a:rPr lang="en-US"/>
+              <a:t>Third level</a:t>
+            </a:r>
+          </a:p>
+          <a:p>
+            <a:pPr lvl="3"/>
+            <a:r>
+              <a:rPr lang="en-US"/>
+              <a:t>Fourth level</a:t>
+            </a:r>
+          </a:p>
+          <a:p>
+            <a:pPr lvl="4"/>
+            <a:r>
+              <a:rPr lang="en-US"/>
+              <a:t>Fifth level</a:t>
+            </a:r>
+          </a:p>
+        </p:txBody>
+      </p:sp>
+      <p:sp>
+        <p:nvSpPr>
+          <p:cNvPr id="6" name="Footer Placeholder 5"/>
+          <p:cNvSpPr>
+            <a:spLocks noGrp="1"/>
+          </p:cNvSpPr>
+          <p:nvPr>
+            <p:ph type="ftr" sz="quarter" idx="4"/>
+          </p:nvPr>
+        </p:nvSpPr>
+        <p:spPr>
+          <a:xfrm>
+            <a:off x="0" y="8685213"/>
+            <a:ext cx="2971800" cy="458787"/>
+          </a:xfrm>
+          <a:prstGeom prst="rect">
+            <a:avLst/>
+          </a:prstGeom>
+        </p:spPr>
+        <p:txBody>
+          <a:bodyPr vert="horz" lIns="91440" tIns="45720" rIns="91440" bIns="45720" rtlCol="0" anchor="b"/>
+          <a:lstStyle>
+            <a:lvl1pPr algn="l">
+              <a:defRPr sz="1200"/>
+            </a:lvl1pPr>
+          </a:lstStyle>
+          <a:p>
+            <a:endParaRPr lang="en-US"/>
+          </a:p>
+        </p:txBody>
+      </p:sp>
+      <p:sp>
+        <p:nvSpPr>
+          <p:cNvPr id="7" name="Slide Number Placeholder 6"/>
+          <p:cNvSpPr>
+            <a:spLocks noGrp="1"/>
+          </p:cNvSpPr>
+          <p:nvPr>
+            <p:ph type="sldNum" sz="quarter" idx="5"/>
+          </p:nvPr>
+        </p:nvSpPr>
+        <p:spPr>
+          <a:xfrm>
+            <a:off x="3884613" y="8685213"/>
+            <a:ext cx="2971800" cy="458787"/>
+          </a:xfrm>
+          <a:prstGeom prst="rect">
+            <a:avLst/>
+          </a:prstGeom>
+        </p:spPr>
+        <p:txBody>
+          <a:bodyPr vert="horz" lIns="91440" tIns="45720" rIns="91440" bIns="45720" rtlCol="0" anchor="b"/>
+          <a:lstStyle>
+            <a:lvl1pPr algn="r">
+              <a:defRPr sz="1200"/>
+            </a:lvl1pPr>
+          </a:lstStyle>
+          <a:p>
+            <a:fld id="{23B94354-3F52-D442-8DF9-168FB97E19E2}" type="slidenum">
+              <a:rPr lang="en-US" smtClean="0"/>
+              <a:t>‹#›</a:t>
+            </a:fld>
+            <a:endParaRPr lang="en-US"/>
+          </a:p>
+        </p:txBody>
+      </p:sp>
+    </p:spTree>
+    <p:extLst>
+      <p:ext uri="{BB962C8B-B14F-4D97-AF65-F5344CB8AC3E}">
+        <p14:creationId xmlns:p14="http://schemas.microsoft.com/office/powerpoint/2010/main" val="214955824"/>
+      </p:ext>
+    </p:extLst>
+  </p:cSld>
+  <p:clrMap bg1="lt1" tx1="dk1" bg2="lt2" tx2="dk2" accent1="accent1" accent2="accent2" accent3="accent3" accent4="accent4" accent5="accent5" accent6="accent6" hlink="hlink" folHlink="folHlink"/>
+  <p:notesStyle>
+    <a:lvl1pPr marL="0" algn="l" defTabSz="914400" rtl="0" eaLnBrk="1" latinLnBrk="0" hangingPunct="1">
+      <a:defRPr sz="1200" kern="1200">
+        <a:solidFill>
+          <a:schemeClr val="tx1"/>
+        </a:solidFill>
+        <a:latin typeface="+mn-lt"/>
+        <a:ea typeface="+mn-ea"/>
+        <a:cs typeface="+mn-cs"/>
+      </a:defRPr>
+    </a:lvl1pPr>
+    <a:lvl2pPr marL="457200" algn="l" defTabSz="914400" rtl="0" eaLnBrk="1" latinLnBrk="0" hangingPunct="1">
+      <a:defRPr sz="1200" kern="1200">
+        <a:solidFill>
+          <a:schemeClr val="tx1"/>
+        </a:solidFill>
+        <a:latin typeface="+mn-lt"/>
+        <a:ea typeface="+mn-ea"/>
+        <a:cs typeface="+mn-cs"/>
+      </a:defRPr>
+    </a:lvl2pPr>
+    <a:lvl3pPr marL="914400" algn="l" defTabSz="914400" rtl="0" eaLnBrk="1" latinLnBrk="0" hangingPunct="1">
+      <a:defRPr sz="1200" kern="1200">
+        <a:solidFill>
+          <a:schemeClr val="tx1"/>
+        </a:solidFill>
+        <a:latin typeface="+mn-lt"/>
+        <a:ea typeface="+mn-ea"/>
+        <a:cs typeface="+mn-cs"/>
+      </a:defRPr>
+    </a:lvl3pPr>
+    <a:lvl4pPr marL="1371600" algn="l" defTabSz="914400" rtl="0" eaLnBrk="1" latinLnBrk="0" hangingPunct="1">
+      <a:defRPr sz="1200" kern="1200">
+        <a:solidFill>
+          <a:schemeClr val="tx1"/>
+        </a:solidFill>
+        <a:latin typeface="+mn-lt"/>
+        <a:ea typeface="+mn-ea"/>
+        <a:cs typeface="+mn-cs"/>
+      </a:defRPr>
+    </a:lvl4pPr>
+    <a:lvl5pPr marL="1828800" algn="l" defTabSz="914400" rtl="0" eaLnBrk="1" latinLnBrk="0" hangingPunct="1">
+      <a:defRPr sz="1200" kern="1200">
+        <a:solidFill>
+          <a:schemeClr val="tx1"/>
+        </a:solidFill>
+        <a:latin typeface="+mn-lt"/>
+        <a:ea typeface="+mn-ea"/>
+        <a:cs typeface="+mn-cs"/>
+      </a:defRPr>
+    </a:lvl5pPr>
+    <a:lvl6pPr marL="2286000" algn="l" defTabSz="914400" rtl="0" eaLnBrk="1" latinLnBrk="0" hangingPunct="1">
+      <a:defRPr sz="1200" kern="1200">
+        <a:solidFill>
+          <a:schemeClr val="tx1"/>
+        </a:solidFill>
+        <a:latin typeface="+mn-lt"/>
+        <a:ea typeface="+mn-ea"/>
+        <a:cs typeface="+mn-cs"/>
+      </a:defRPr>
+    </a:lvl6pPr>
+    <a:lvl7pPr marL="2743200" algn="l" defTabSz="914400" rtl="0" eaLnBrk="1" latinLnBrk="0" hangingPunct="1">
+      <a:defRPr sz="1200" kern="1200">
+        <a:solidFill>
+          <a:schemeClr val="tx1"/>
+        </a:solidFill>
+        <a:latin typeface="+mn-lt"/>
+        <a:ea typeface="+mn-ea"/>
+        <a:cs typeface="+mn-cs"/>
+      </a:defRPr>
+    </a:lvl7pPr>
+    <a:lvl8pPr marL="3200400" algn="l" defTabSz="914400" rtl="0" eaLnBrk="1" latinLnBrk="0" hangingPunct="1">
+      <a:defRPr sz="1200" kern="1200">
+        <a:solidFill>
+          <a:schemeClr val="tx1"/>
+        </a:solidFill>
+        <a:latin typeface="+mn-lt"/>
+        <a:ea typeface="+mn-ea"/>
+        <a:cs typeface="+mn-cs"/>
+      </a:defRPr>
+    </a:lvl8pPr>
+    <a:lvl9pPr marL="3657600" algn="l" defTabSz="914400" rtl="0" eaLnBrk="1" latinLnBrk="0" hangingPunct="1">
+      <a:defRPr sz="1200" kern="1200">
+        <a:solidFill>
+          <a:schemeClr val="tx1"/>
+        </a:solidFill>
+        <a:latin typeface="+mn-lt"/>
+        <a:ea typeface="+mn-ea"/>
+        <a:cs typeface="+mn-cs"/>
+      </a:defRPr>
+    </a:lvl9pPr>
+  </p:notesStyle>
+</p:notesMaster>
+</file>
+
+<file path=ppt/notesSlides/notesSlide1.xml><?xml version="1.0" encoding="utf-8"?>
+<p:notes xmlns:a="http://schemas.openxmlformats.org/drawingml/2006/main" xmlns:r="http://schemas.openxmlformats.org/officeDocument/2006/relationships" xmlns:p="http://schemas.openxmlformats.org/presentationml/2006/main">
+  <p:cSld>
+    <p:spTree>
+      <p:nvGrpSpPr>
+        <p:cNvPr id="1" name=""/>
+        <p:cNvGrpSpPr/>
+        <p:nvPr/>
+      </p:nvGrpSpPr>
+      <p:grpSpPr>
+        <a:xfrm>
+          <a:off x="0" y="0"/>
+          <a:ext cx="0" cy="0"/>
+          <a:chOff x="0" y="0"/>
+          <a:chExt cx="0" cy="0"/>
+        </a:xfrm>
+      </p:grpSpPr>
+      <p:sp>
+        <p:nvSpPr>
+          <p:cNvPr id="2" name="Slide Image Placeholder 1"/>
+          <p:cNvSpPr>
+            <a:spLocks noGrp="1" noRot="1" noChangeAspect="1"/>
+          </p:cNvSpPr>
+          <p:nvPr>
+            <p:ph type="sldImg"/>
+          </p:nvPr>
+        </p:nvSpPr>
+        <p:spPr/>
+      </p:sp>
+      <p:sp>
+        <p:nvSpPr>
+          <p:cNvPr id="3" name="Notes Placeholder 2"/>
+          <p:cNvSpPr>
+            <a:spLocks noGrp="1"/>
+          </p:cNvSpPr>
+          <p:nvPr>
+            <p:ph type="body" idx="1"/>
+          </p:nvPr>
+        </p:nvSpPr>
+        <p:spPr/>
+        <p:txBody>
+          <a:bodyPr/>
+          <a:lstStyle/>
+          <a:p>
+            <a:endParaRPr lang="en-US" dirty="0"/>
+          </a:p>
+        </p:txBody>
+      </p:sp>
+      <p:sp>
+        <p:nvSpPr>
+          <p:cNvPr id="4" name="Slide Number Placeholder 3"/>
+          <p:cNvSpPr>
+            <a:spLocks noGrp="1"/>
+          </p:cNvSpPr>
+          <p:nvPr>
+            <p:ph type="sldNum" sz="quarter" idx="5"/>
+          </p:nvPr>
+        </p:nvSpPr>
+        <p:spPr/>
+        <p:txBody>
+          <a:bodyPr/>
+          <a:lstStyle/>
+          <a:p>
+            <a:fld id="{23B94354-3F52-D442-8DF9-168FB97E19E2}" type="slidenum">
+              <a:rPr lang="en-US" smtClean="0"/>
+              <a:t>5</a:t>
+            </a:fld>
+            <a:endParaRPr lang="en-US"/>
+          </a:p>
+        </p:txBody>
+      </p:sp>
+    </p:spTree>
+    <p:extLst>
+      <p:ext uri="{BB962C8B-B14F-4D97-AF65-F5344CB8AC3E}">
+        <p14:creationId xmlns:p14="http://schemas.microsoft.com/office/powerpoint/2010/main" val="3500144321"/>
+      </p:ext>
+    </p:extLst>
+  </p:cSld>
+  <p:clrMapOvr>
+    <a:masterClrMapping/>
+  </p:clrMapOvr>
+</p:notes>
 </file>
 
 <file path=ppt/slideLayouts/slideLayout1.xml><?xml version="1.0" encoding="utf-8"?>
@@ -145,10 +605,9 @@
           <a:lstStyle/>
           <a:p>
             <a:r>
-              <a:rPr lang="zh-CN" altLang="en-US" smtClean="0"/>
+              <a:rPr lang="zh-CN" altLang="en-US"/>
               <a:t>单击此处编辑母版标题样式</a:t>
             </a:r>
-            <a:endParaRPr lang="zh-CN" altLang="en-US"/>
           </a:p>
         </p:txBody>
       </p:sp>
@@ -264,10 +723,9 @@
           </a:lstStyle>
           <a:p>
             <a:r>
-              <a:rPr lang="zh-CN" altLang="en-US" smtClean="0"/>
+              <a:rPr lang="zh-CN" altLang="en-US"/>
               <a:t>单击此处编辑母版副标题样式</a:t>
             </a:r>
-            <a:endParaRPr lang="zh-CN" altLang="en-US"/>
           </a:p>
         </p:txBody>
       </p:sp>
@@ -288,7 +746,7 @@
           <a:p>
             <a:fld id="{D7AD9A54-6BC2-4644-9797-E19148E35EDF}" type="datetimeFigureOut">
               <a:rPr lang="zh-CN" altLang="en-US" smtClean="0"/>
-              <a:t>2018/11/12</a:t>
+              <a:t>2018/11/14</a:t>
             </a:fld>
             <a:endParaRPr lang="zh-CN" altLang="en-US"/>
           </a:p>
@@ -377,10 +835,9 @@
           <a:lstStyle/>
           <a:p>
             <a:r>
-              <a:rPr lang="zh-CN" altLang="en-US" smtClean="0"/>
+              <a:rPr lang="zh-CN" altLang="en-US"/>
               <a:t>单击此处编辑母版标题样式</a:t>
             </a:r>
-            <a:endParaRPr lang="zh-CN" altLang="en-US"/>
           </a:p>
         </p:txBody>
       </p:sp>
@@ -401,38 +858,37 @@
           <a:p>
             <a:pPr lvl="0"/>
             <a:r>
-              <a:rPr lang="zh-CN" altLang="en-US" smtClean="0"/>
+              <a:rPr lang="zh-CN" altLang="en-US"/>
               <a:t>单击此处编辑母版文本样式</a:t>
             </a:r>
           </a:p>
           <a:p>
             <a:pPr lvl="1"/>
             <a:r>
-              <a:rPr lang="zh-CN" altLang="en-US" smtClean="0"/>
+              <a:rPr lang="zh-CN" altLang="en-US"/>
               <a:t>第二级</a:t>
             </a:r>
           </a:p>
           <a:p>
             <a:pPr lvl="2"/>
             <a:r>
-              <a:rPr lang="zh-CN" altLang="en-US" smtClean="0"/>
+              <a:rPr lang="zh-CN" altLang="en-US"/>
               <a:t>第三级</a:t>
             </a:r>
           </a:p>
           <a:p>
             <a:pPr lvl="3"/>
             <a:r>
-              <a:rPr lang="zh-CN" altLang="en-US" smtClean="0"/>
+              <a:rPr lang="zh-CN" altLang="en-US"/>
               <a:t>第四级</a:t>
             </a:r>
           </a:p>
           <a:p>
             <a:pPr lvl="4"/>
             <a:r>
-              <a:rPr lang="zh-CN" altLang="en-US" smtClean="0"/>
+              <a:rPr lang="zh-CN" altLang="en-US"/>
               <a:t>第五级</a:t>
             </a:r>
-            <a:endParaRPr lang="zh-CN" altLang="en-US"/>
           </a:p>
         </p:txBody>
       </p:sp>
@@ -453,7 +909,7 @@
           <a:p>
             <a:fld id="{D7AD9A54-6BC2-4644-9797-E19148E35EDF}" type="datetimeFigureOut">
               <a:rPr lang="zh-CN" altLang="en-US" smtClean="0"/>
-              <a:t>2018/11/12</a:t>
+              <a:t>2018/11/14</a:t>
             </a:fld>
             <a:endParaRPr lang="zh-CN" altLang="en-US"/>
           </a:p>
@@ -547,10 +1003,9 @@
           <a:lstStyle/>
           <a:p>
             <a:r>
-              <a:rPr lang="zh-CN" altLang="en-US" smtClean="0"/>
+              <a:rPr lang="zh-CN" altLang="en-US"/>
               <a:t>单击此处编辑母版标题样式</a:t>
             </a:r>
-            <a:endParaRPr lang="zh-CN" altLang="en-US"/>
           </a:p>
         </p:txBody>
       </p:sp>
@@ -576,38 +1031,37 @@
           <a:p>
             <a:pPr lvl="0"/>
             <a:r>
-              <a:rPr lang="zh-CN" altLang="en-US" smtClean="0"/>
+              <a:rPr lang="zh-CN" altLang="en-US"/>
               <a:t>单击此处编辑母版文本样式</a:t>
             </a:r>
           </a:p>
           <a:p>
             <a:pPr lvl="1"/>
             <a:r>
-              <a:rPr lang="zh-CN" altLang="en-US" smtClean="0"/>
+              <a:rPr lang="zh-CN" altLang="en-US"/>
               <a:t>第二级</a:t>
             </a:r>
           </a:p>
           <a:p>
             <a:pPr lvl="2"/>
             <a:r>
-              <a:rPr lang="zh-CN" altLang="en-US" smtClean="0"/>
+              <a:rPr lang="zh-CN" altLang="en-US"/>
               <a:t>第三级</a:t>
             </a:r>
           </a:p>
           <a:p>
             <a:pPr lvl="3"/>
             <a:r>
-              <a:rPr lang="zh-CN" altLang="en-US" smtClean="0"/>
+              <a:rPr lang="zh-CN" altLang="en-US"/>
               <a:t>第四级</a:t>
             </a:r>
           </a:p>
           <a:p>
             <a:pPr lvl="4"/>
             <a:r>
-              <a:rPr lang="zh-CN" altLang="en-US" smtClean="0"/>
+              <a:rPr lang="zh-CN" altLang="en-US"/>
               <a:t>第五级</a:t>
             </a:r>
-            <a:endParaRPr lang="zh-CN" altLang="en-US"/>
           </a:p>
         </p:txBody>
       </p:sp>
@@ -628,7 +1082,7 @@
           <a:p>
             <a:fld id="{D7AD9A54-6BC2-4644-9797-E19148E35EDF}" type="datetimeFigureOut">
               <a:rPr lang="zh-CN" altLang="en-US" smtClean="0"/>
-              <a:t>2018/11/12</a:t>
+              <a:t>2018/11/14</a:t>
             </a:fld>
             <a:endParaRPr lang="zh-CN" altLang="en-US"/>
           </a:p>
@@ -717,10 +1171,9 @@
           <a:lstStyle/>
           <a:p>
             <a:r>
-              <a:rPr lang="zh-CN" altLang="en-US" smtClean="0"/>
+              <a:rPr lang="zh-CN" altLang="en-US"/>
               <a:t>单击此处编辑母版标题样式</a:t>
             </a:r>
-            <a:endParaRPr lang="zh-CN" altLang="en-US"/>
           </a:p>
         </p:txBody>
       </p:sp>
@@ -741,38 +1194,37 @@
           <a:p>
             <a:pPr lvl="0"/>
             <a:r>
-              <a:rPr lang="zh-CN" altLang="en-US" smtClean="0"/>
+              <a:rPr lang="zh-CN" altLang="en-US"/>
               <a:t>单击此处编辑母版文本样式</a:t>
             </a:r>
           </a:p>
           <a:p>
             <a:pPr lvl="1"/>
             <a:r>
-              <a:rPr lang="zh-CN" altLang="en-US" smtClean="0"/>
+              <a:rPr lang="zh-CN" altLang="en-US"/>
               <a:t>第二级</a:t>
             </a:r>
           </a:p>
           <a:p>
             <a:pPr lvl="2"/>
             <a:r>
-              <a:rPr lang="zh-CN" altLang="en-US" smtClean="0"/>
+              <a:rPr lang="zh-CN" altLang="en-US"/>
               <a:t>第三级</a:t>
             </a:r>
           </a:p>
           <a:p>
             <a:pPr lvl="3"/>
             <a:r>
-              <a:rPr lang="zh-CN" altLang="en-US" smtClean="0"/>
+              <a:rPr lang="zh-CN" altLang="en-US"/>
               <a:t>第四级</a:t>
             </a:r>
           </a:p>
           <a:p>
             <a:pPr lvl="4"/>
             <a:r>
-              <a:rPr lang="zh-CN" altLang="en-US" smtClean="0"/>
+              <a:rPr lang="zh-CN" altLang="en-US"/>
               <a:t>第五级</a:t>
             </a:r>
-            <a:endParaRPr lang="zh-CN" altLang="en-US"/>
           </a:p>
         </p:txBody>
       </p:sp>
@@ -793,7 +1245,7 @@
           <a:p>
             <a:fld id="{D7AD9A54-6BC2-4644-9797-E19148E35EDF}" type="datetimeFigureOut">
               <a:rPr lang="zh-CN" altLang="en-US" smtClean="0"/>
-              <a:t>2018/11/12</a:t>
+              <a:t>2018/11/14</a:t>
             </a:fld>
             <a:endParaRPr lang="zh-CN" altLang="en-US"/>
           </a:p>
@@ -891,10 +1343,9 @@
           </a:lstStyle>
           <a:p>
             <a:r>
-              <a:rPr lang="zh-CN" altLang="en-US" smtClean="0"/>
+              <a:rPr lang="zh-CN" altLang="en-US"/>
               <a:t>单击此处编辑母版标题样式</a:t>
             </a:r>
-            <a:endParaRPr lang="zh-CN" altLang="en-US"/>
           </a:p>
         </p:txBody>
       </p:sp>
@@ -1011,7 +1462,7 @@
           <a:p>
             <a:pPr lvl="0"/>
             <a:r>
-              <a:rPr lang="zh-CN" altLang="en-US" smtClean="0"/>
+              <a:rPr lang="zh-CN" altLang="en-US"/>
               <a:t>单击此处编辑母版文本样式</a:t>
             </a:r>
           </a:p>
@@ -1034,7 +1485,7 @@
           <a:p>
             <a:fld id="{D7AD9A54-6BC2-4644-9797-E19148E35EDF}" type="datetimeFigureOut">
               <a:rPr lang="zh-CN" altLang="en-US" smtClean="0"/>
-              <a:t>2018/11/12</a:t>
+              <a:t>2018/11/14</a:t>
             </a:fld>
             <a:endParaRPr lang="zh-CN" altLang="en-US"/>
           </a:p>
@@ -1123,10 +1574,9 @@
           <a:lstStyle/>
           <a:p>
             <a:r>
-              <a:rPr lang="zh-CN" altLang="en-US" smtClean="0"/>
+              <a:rPr lang="zh-CN" altLang="en-US"/>
               <a:t>单击此处编辑母版标题样式</a:t>
             </a:r>
-            <a:endParaRPr lang="zh-CN" altLang="en-US"/>
           </a:p>
         </p:txBody>
       </p:sp>
@@ -1180,38 +1630,37 @@
           <a:p>
             <a:pPr lvl="0"/>
             <a:r>
-              <a:rPr lang="zh-CN" altLang="en-US" smtClean="0"/>
+              <a:rPr lang="zh-CN" altLang="en-US"/>
               <a:t>单击此处编辑母版文本样式</a:t>
             </a:r>
           </a:p>
           <a:p>
             <a:pPr lvl="1"/>
             <a:r>
-              <a:rPr lang="zh-CN" altLang="en-US" smtClean="0"/>
+              <a:rPr lang="zh-CN" altLang="en-US"/>
               <a:t>第二级</a:t>
             </a:r>
           </a:p>
           <a:p>
             <a:pPr lvl="2"/>
             <a:r>
-              <a:rPr lang="zh-CN" altLang="en-US" smtClean="0"/>
+              <a:rPr lang="zh-CN" altLang="en-US"/>
               <a:t>第三级</a:t>
             </a:r>
           </a:p>
           <a:p>
             <a:pPr lvl="3"/>
             <a:r>
-              <a:rPr lang="zh-CN" altLang="en-US" smtClean="0"/>
+              <a:rPr lang="zh-CN" altLang="en-US"/>
               <a:t>第四级</a:t>
             </a:r>
           </a:p>
           <a:p>
             <a:pPr lvl="4"/>
             <a:r>
-              <a:rPr lang="zh-CN" altLang="en-US" smtClean="0"/>
+              <a:rPr lang="zh-CN" altLang="en-US"/>
               <a:t>第五级</a:t>
             </a:r>
-            <a:endParaRPr lang="zh-CN" altLang="en-US"/>
           </a:p>
         </p:txBody>
       </p:sp>
@@ -1265,38 +1714,37 @@
           <a:p>
             <a:pPr lvl="0"/>
             <a:r>
-              <a:rPr lang="zh-CN" altLang="en-US" smtClean="0"/>
+              <a:rPr lang="zh-CN" altLang="en-US"/>
               <a:t>单击此处编辑母版文本样式</a:t>
             </a:r>
           </a:p>
           <a:p>
             <a:pPr lvl="1"/>
             <a:r>
-              <a:rPr lang="zh-CN" altLang="en-US" smtClean="0"/>
+              <a:rPr lang="zh-CN" altLang="en-US"/>
               <a:t>第二级</a:t>
             </a:r>
           </a:p>
           <a:p>
             <a:pPr lvl="2"/>
             <a:r>
-              <a:rPr lang="zh-CN" altLang="en-US" smtClean="0"/>
+              <a:rPr lang="zh-CN" altLang="en-US"/>
               <a:t>第三级</a:t>
             </a:r>
           </a:p>
           <a:p>
             <a:pPr lvl="3"/>
             <a:r>
-              <a:rPr lang="zh-CN" altLang="en-US" smtClean="0"/>
+              <a:rPr lang="zh-CN" altLang="en-US"/>
               <a:t>第四级</a:t>
             </a:r>
           </a:p>
           <a:p>
             <a:pPr lvl="4"/>
             <a:r>
-              <a:rPr lang="zh-CN" altLang="en-US" smtClean="0"/>
+              <a:rPr lang="zh-CN" altLang="en-US"/>
               <a:t>第五级</a:t>
             </a:r>
-            <a:endParaRPr lang="zh-CN" altLang="en-US"/>
           </a:p>
         </p:txBody>
       </p:sp>
@@ -1317,7 +1765,7 @@
           <a:p>
             <a:fld id="{D7AD9A54-6BC2-4644-9797-E19148E35EDF}" type="datetimeFigureOut">
               <a:rPr lang="zh-CN" altLang="en-US" smtClean="0"/>
-              <a:t>2018/11/12</a:t>
+              <a:t>2018/11/14</a:t>
             </a:fld>
             <a:endParaRPr lang="zh-CN" altLang="en-US"/>
           </a:p>
@@ -1410,10 +1858,9 @@
           </a:lstStyle>
           <a:p>
             <a:r>
-              <a:rPr lang="zh-CN" altLang="en-US" smtClean="0"/>
+              <a:rPr lang="zh-CN" altLang="en-US"/>
               <a:t>单击此处编辑母版标题样式</a:t>
             </a:r>
-            <a:endParaRPr lang="zh-CN" altLang="en-US"/>
           </a:p>
         </p:txBody>
       </p:sp>
@@ -1476,7 +1923,7 @@
           <a:p>
             <a:pPr lvl="0"/>
             <a:r>
-              <a:rPr lang="zh-CN" altLang="en-US" smtClean="0"/>
+              <a:rPr lang="zh-CN" altLang="en-US"/>
               <a:t>单击此处编辑母版文本样式</a:t>
             </a:r>
           </a:p>
@@ -1532,38 +1979,37 @@
           <a:p>
             <a:pPr lvl="0"/>
             <a:r>
-              <a:rPr lang="zh-CN" altLang="en-US" smtClean="0"/>
+              <a:rPr lang="zh-CN" altLang="en-US"/>
               <a:t>单击此处编辑母版文本样式</a:t>
             </a:r>
           </a:p>
           <a:p>
             <a:pPr lvl="1"/>
             <a:r>
-              <a:rPr lang="zh-CN" altLang="en-US" smtClean="0"/>
+              <a:rPr lang="zh-CN" altLang="en-US"/>
               <a:t>第二级</a:t>
             </a:r>
           </a:p>
           <a:p>
             <a:pPr lvl="2"/>
             <a:r>
-              <a:rPr lang="zh-CN" altLang="en-US" smtClean="0"/>
+              <a:rPr lang="zh-CN" altLang="en-US"/>
               <a:t>第三级</a:t>
             </a:r>
           </a:p>
           <a:p>
             <a:pPr lvl="3"/>
             <a:r>
-              <a:rPr lang="zh-CN" altLang="en-US" smtClean="0"/>
+              <a:rPr lang="zh-CN" altLang="en-US"/>
               <a:t>第四级</a:t>
             </a:r>
           </a:p>
           <a:p>
             <a:pPr lvl="4"/>
             <a:r>
-              <a:rPr lang="zh-CN" altLang="en-US" smtClean="0"/>
+              <a:rPr lang="zh-CN" altLang="en-US"/>
               <a:t>第五级</a:t>
             </a:r>
-            <a:endParaRPr lang="zh-CN" altLang="en-US"/>
           </a:p>
         </p:txBody>
       </p:sp>
@@ -1626,7 +2072,7 @@
           <a:p>
             <a:pPr lvl="0"/>
             <a:r>
-              <a:rPr lang="zh-CN" altLang="en-US" smtClean="0"/>
+              <a:rPr lang="zh-CN" altLang="en-US"/>
               <a:t>单击此处编辑母版文本样式</a:t>
             </a:r>
           </a:p>
@@ -1682,38 +2128,37 @@
           <a:p>
             <a:pPr lvl="0"/>
             <a:r>
-              <a:rPr lang="zh-CN" altLang="en-US" smtClean="0"/>
+              <a:rPr lang="zh-CN" altLang="en-US"/>
               <a:t>单击此处编辑母版文本样式</a:t>
             </a:r>
           </a:p>
           <a:p>
             <a:pPr lvl="1"/>
             <a:r>
-              <a:rPr lang="zh-CN" altLang="en-US" smtClean="0"/>
+              <a:rPr lang="zh-CN" altLang="en-US"/>
               <a:t>第二级</a:t>
             </a:r>
           </a:p>
           <a:p>
             <a:pPr lvl="2"/>
             <a:r>
-              <a:rPr lang="zh-CN" altLang="en-US" smtClean="0"/>
+              <a:rPr lang="zh-CN" altLang="en-US"/>
               <a:t>第三级</a:t>
             </a:r>
           </a:p>
           <a:p>
             <a:pPr lvl="3"/>
             <a:r>
-              <a:rPr lang="zh-CN" altLang="en-US" smtClean="0"/>
+              <a:rPr lang="zh-CN" altLang="en-US"/>
               <a:t>第四级</a:t>
             </a:r>
           </a:p>
           <a:p>
             <a:pPr lvl="4"/>
             <a:r>
-              <a:rPr lang="zh-CN" altLang="en-US" smtClean="0"/>
+              <a:rPr lang="zh-CN" altLang="en-US"/>
               <a:t>第五级</a:t>
             </a:r>
-            <a:endParaRPr lang="zh-CN" altLang="en-US"/>
           </a:p>
         </p:txBody>
       </p:sp>
@@ -1734,7 +2179,7 @@
           <a:p>
             <a:fld id="{D7AD9A54-6BC2-4644-9797-E19148E35EDF}" type="datetimeFigureOut">
               <a:rPr lang="zh-CN" altLang="en-US" smtClean="0"/>
-              <a:t>2018/11/12</a:t>
+              <a:t>2018/11/14</a:t>
             </a:fld>
             <a:endParaRPr lang="zh-CN" altLang="en-US"/>
           </a:p>
@@ -1823,10 +2268,9 @@
           <a:lstStyle/>
           <a:p>
             <a:r>
-              <a:rPr lang="zh-CN" altLang="en-US" smtClean="0"/>
+              <a:rPr lang="zh-CN" altLang="en-US"/>
               <a:t>单击此处编辑母版标题样式</a:t>
             </a:r>
-            <a:endParaRPr lang="zh-CN" altLang="en-US"/>
           </a:p>
         </p:txBody>
       </p:sp>
@@ -1847,7 +2291,7 @@
           <a:p>
             <a:fld id="{D7AD9A54-6BC2-4644-9797-E19148E35EDF}" type="datetimeFigureOut">
               <a:rPr lang="zh-CN" altLang="en-US" smtClean="0"/>
-              <a:t>2018/11/12</a:t>
+              <a:t>2018/11/14</a:t>
             </a:fld>
             <a:endParaRPr lang="zh-CN" altLang="en-US"/>
           </a:p>
@@ -1937,7 +2381,7 @@
           <a:p>
             <a:fld id="{D7AD9A54-6BC2-4644-9797-E19148E35EDF}" type="datetimeFigureOut">
               <a:rPr lang="zh-CN" altLang="en-US" smtClean="0"/>
-              <a:t>2018/11/12</a:t>
+              <a:t>2018/11/14</a:t>
             </a:fld>
             <a:endParaRPr lang="zh-CN" altLang="en-US"/>
           </a:p>
@@ -2035,10 +2479,9 @@
           </a:lstStyle>
           <a:p>
             <a:r>
-              <a:rPr lang="zh-CN" altLang="en-US" smtClean="0"/>
+              <a:rPr lang="zh-CN" altLang="en-US"/>
               <a:t>单击此处编辑母版标题样式</a:t>
             </a:r>
-            <a:endParaRPr lang="zh-CN" altLang="en-US"/>
           </a:p>
         </p:txBody>
       </p:sp>
@@ -2092,38 +2535,37 @@
           <a:p>
             <a:pPr lvl="0"/>
             <a:r>
-              <a:rPr lang="zh-CN" altLang="en-US" smtClean="0"/>
+              <a:rPr lang="zh-CN" altLang="en-US"/>
               <a:t>单击此处编辑母版文本样式</a:t>
             </a:r>
           </a:p>
           <a:p>
             <a:pPr lvl="1"/>
             <a:r>
-              <a:rPr lang="zh-CN" altLang="en-US" smtClean="0"/>
+              <a:rPr lang="zh-CN" altLang="en-US"/>
               <a:t>第二级</a:t>
             </a:r>
           </a:p>
           <a:p>
             <a:pPr lvl="2"/>
             <a:r>
-              <a:rPr lang="zh-CN" altLang="en-US" smtClean="0"/>
+              <a:rPr lang="zh-CN" altLang="en-US"/>
               <a:t>第三级</a:t>
             </a:r>
           </a:p>
           <a:p>
             <a:pPr lvl="3"/>
             <a:r>
-              <a:rPr lang="zh-CN" altLang="en-US" smtClean="0"/>
+              <a:rPr lang="zh-CN" altLang="en-US"/>
               <a:t>第四级</a:t>
             </a:r>
           </a:p>
           <a:p>
             <a:pPr lvl="4"/>
             <a:r>
-              <a:rPr lang="zh-CN" altLang="en-US" smtClean="0"/>
+              <a:rPr lang="zh-CN" altLang="en-US"/>
               <a:t>第五级</a:t>
             </a:r>
-            <a:endParaRPr lang="zh-CN" altLang="en-US"/>
           </a:p>
         </p:txBody>
       </p:sp>
@@ -2186,7 +2628,7 @@
           <a:p>
             <a:pPr lvl="0"/>
             <a:r>
-              <a:rPr lang="zh-CN" altLang="en-US" smtClean="0"/>
+              <a:rPr lang="zh-CN" altLang="en-US"/>
               <a:t>单击此处编辑母版文本样式</a:t>
             </a:r>
           </a:p>
@@ -2209,7 +2651,7 @@
           <a:p>
             <a:fld id="{D7AD9A54-6BC2-4644-9797-E19148E35EDF}" type="datetimeFigureOut">
               <a:rPr lang="zh-CN" altLang="en-US" smtClean="0"/>
-              <a:t>2018/11/12</a:t>
+              <a:t>2018/11/14</a:t>
             </a:fld>
             <a:endParaRPr lang="zh-CN" altLang="en-US"/>
           </a:p>
@@ -2307,10 +2749,9 @@
           </a:lstStyle>
           <a:p>
             <a:r>
-              <a:rPr lang="zh-CN" altLang="en-US" smtClean="0"/>
+              <a:rPr lang="zh-CN" altLang="en-US"/>
               <a:t>单击此处编辑母版标题样式</a:t>
             </a:r>
-            <a:endParaRPr lang="zh-CN" altLang="en-US"/>
           </a:p>
         </p:txBody>
       </p:sp>
@@ -2434,7 +2875,7 @@
           <a:p>
             <a:pPr lvl="0"/>
             <a:r>
-              <a:rPr lang="zh-CN" altLang="en-US" smtClean="0"/>
+              <a:rPr lang="zh-CN" altLang="en-US"/>
               <a:t>单击此处编辑母版文本样式</a:t>
             </a:r>
           </a:p>
@@ -2457,7 +2898,7 @@
           <a:p>
             <a:fld id="{D7AD9A54-6BC2-4644-9797-E19148E35EDF}" type="datetimeFigureOut">
               <a:rPr lang="zh-CN" altLang="en-US" smtClean="0"/>
-              <a:t>2018/11/12</a:t>
+              <a:t>2018/11/14</a:t>
             </a:fld>
             <a:endParaRPr lang="zh-CN" altLang="en-US"/>
           </a:p>
@@ -2561,10 +3002,9 @@
           <a:lstStyle/>
           <a:p>
             <a:r>
-              <a:rPr lang="zh-CN" altLang="en-US" smtClean="0"/>
+              <a:rPr lang="zh-CN" altLang="en-US"/>
               <a:t>单击此处编辑母版标题样式</a:t>
             </a:r>
-            <a:endParaRPr lang="zh-CN" altLang="en-US"/>
           </a:p>
         </p:txBody>
       </p:sp>
@@ -2595,38 +3035,37 @@
           <a:p>
             <a:pPr lvl="0"/>
             <a:r>
-              <a:rPr lang="zh-CN" altLang="en-US" smtClean="0"/>
+              <a:rPr lang="zh-CN" altLang="en-US"/>
               <a:t>单击此处编辑母版文本样式</a:t>
             </a:r>
           </a:p>
           <a:p>
             <a:pPr lvl="1"/>
             <a:r>
-              <a:rPr lang="zh-CN" altLang="en-US" smtClean="0"/>
+              <a:rPr lang="zh-CN" altLang="en-US"/>
               <a:t>第二级</a:t>
             </a:r>
           </a:p>
           <a:p>
             <a:pPr lvl="2"/>
             <a:r>
-              <a:rPr lang="zh-CN" altLang="en-US" smtClean="0"/>
+              <a:rPr lang="zh-CN" altLang="en-US"/>
               <a:t>第三级</a:t>
             </a:r>
           </a:p>
           <a:p>
             <a:pPr lvl="3"/>
             <a:r>
-              <a:rPr lang="zh-CN" altLang="en-US" smtClean="0"/>
+              <a:rPr lang="zh-CN" altLang="en-US"/>
               <a:t>第四级</a:t>
             </a:r>
           </a:p>
           <a:p>
             <a:pPr lvl="4"/>
             <a:r>
-              <a:rPr lang="zh-CN" altLang="en-US" smtClean="0"/>
+              <a:rPr lang="zh-CN" altLang="en-US"/>
               <a:t>第五级</a:t>
             </a:r>
-            <a:endParaRPr lang="zh-CN" altLang="en-US"/>
           </a:p>
         </p:txBody>
       </p:sp>
@@ -2665,7 +3104,7 @@
           <a:p>
             <a:fld id="{D7AD9A54-6BC2-4644-9797-E19148E35EDF}" type="datetimeFigureOut">
               <a:rPr lang="zh-CN" altLang="en-US" smtClean="0"/>
-              <a:t>2018/11/12</a:t>
+              <a:t>2018/11/14</a:t>
             </a:fld>
             <a:endParaRPr lang="zh-CN" altLang="en-US"/>
           </a:p>
@@ -3053,7 +3492,7 @@
           <a:lstStyle/>
           <a:p>
             <a:r>
-              <a:rPr lang="en-US" altLang="zh-CN" dirty="0" smtClean="0"/>
+              <a:rPr lang="en-US" altLang="zh-CN" dirty="0"/>
               <a:t>Non-Compensatory Psychological Models for Recommender Systems</a:t>
             </a:r>
             <a:endParaRPr lang="zh-CN" altLang="en-US" dirty="0"/>
@@ -3072,18 +3511,3390 @@
         </p:nvSpPr>
         <p:spPr/>
         <p:txBody>
+          <a:bodyPr>
+            <a:normAutofit fontScale="55000" lnSpcReduction="20000"/>
+          </a:bodyPr>
+          <a:lstStyle/>
+          <a:p>
+            <a:r>
+              <a:rPr lang="en-US" altLang="zh-CN" dirty="0"/>
+              <a:t>Chen Lin, </a:t>
+            </a:r>
+            <a:r>
+              <a:rPr lang="en-US" altLang="zh-CN" dirty="0" err="1"/>
+              <a:t>Xiaolin</a:t>
+            </a:r>
+            <a:r>
+              <a:rPr lang="en-US" altLang="zh-CN" dirty="0"/>
+              <a:t> Shen, Si Chen</a:t>
+            </a:r>
+          </a:p>
+          <a:p>
+            <a:r>
+              <a:rPr lang="en-US" altLang="zh-CN" dirty="0"/>
+              <a:t>Xiamen University</a:t>
+            </a:r>
+          </a:p>
+          <a:p>
+            <a:r>
+              <a:rPr lang="en-US" altLang="zh-CN" dirty="0" err="1"/>
+              <a:t>Muhua</a:t>
+            </a:r>
+            <a:r>
+              <a:rPr lang="en-US" altLang="zh-CN" dirty="0"/>
+              <a:t> Zhu</a:t>
+            </a:r>
+          </a:p>
+          <a:p>
+            <a:r>
+              <a:rPr lang="en-US" altLang="zh-CN" dirty="0"/>
+              <a:t>Alibaba Group</a:t>
+            </a:r>
+          </a:p>
+          <a:p>
+            <a:r>
+              <a:rPr lang="en-US" altLang="zh-CN" dirty="0" err="1"/>
+              <a:t>Yanghua</a:t>
+            </a:r>
+            <a:r>
+              <a:rPr lang="en-US" altLang="zh-CN" dirty="0"/>
+              <a:t> Xiao</a:t>
+            </a:r>
+          </a:p>
+          <a:p>
+            <a:r>
+              <a:rPr lang="en-US" altLang="zh-CN" dirty="0"/>
+              <a:t>Fudan University  </a:t>
+            </a:r>
+            <a:endParaRPr lang="zh-CN" altLang="en-US" dirty="0"/>
+          </a:p>
+        </p:txBody>
+      </p:sp>
+    </p:spTree>
+  </p:cSld>
+  <p:clrMapOvr>
+    <a:masterClrMapping/>
+  </p:clrMapOvr>
+</p:sld>
+</file>
+
+<file path=ppt/slides/slide2.xml><?xml version="1.0" encoding="utf-8"?>
+<p:sld xmlns:a="http://schemas.openxmlformats.org/drawingml/2006/main" xmlns:r="http://schemas.openxmlformats.org/officeDocument/2006/relationships" xmlns:p="http://schemas.openxmlformats.org/presentationml/2006/main">
+  <p:cSld>
+    <p:spTree>
+      <p:nvGrpSpPr>
+        <p:cNvPr id="1" name=""/>
+        <p:cNvGrpSpPr/>
+        <p:nvPr/>
+      </p:nvGrpSpPr>
+      <p:grpSpPr>
+        <a:xfrm>
+          <a:off x="0" y="0"/>
+          <a:ext cx="0" cy="0"/>
+          <a:chOff x="0" y="0"/>
+          <a:chExt cx="0" cy="0"/>
+        </a:xfrm>
+      </p:grpSpPr>
+      <p:sp>
+        <p:nvSpPr>
+          <p:cNvPr id="2" name="Title 1">
+            <a:extLst>
+              <a:ext uri="{FF2B5EF4-FFF2-40B4-BE49-F238E27FC236}">
+                <a16:creationId xmlns:a16="http://schemas.microsoft.com/office/drawing/2014/main" id="{6E5ED857-93D9-7047-8014-0261E1252ED5}"/>
+              </a:ext>
+            </a:extLst>
+          </p:cNvPr>
+          <p:cNvSpPr>
+            <a:spLocks noGrp="1"/>
+          </p:cNvSpPr>
+          <p:nvPr>
+            <p:ph type="title"/>
+          </p:nvPr>
+        </p:nvSpPr>
+        <p:spPr/>
+        <p:txBody>
           <a:bodyPr/>
           <a:lstStyle/>
           <a:p>
             <a:r>
-              <a:rPr lang="en-US" altLang="zh-CN" smtClean="0"/>
-              <a:t>Chen Lin, </a:t>
-            </a:r>
-            <a:endParaRPr lang="zh-CN" altLang="en-US"/>
+              <a:rPr lang="zh-CN" altLang="en-US" dirty="0"/>
+              <a:t> </a:t>
+            </a:r>
+            <a:r>
+              <a:rPr lang="en-US" altLang="zh-CN" dirty="0"/>
+              <a:t>Literature Overview</a:t>
+            </a:r>
+            <a:endParaRPr lang="en-US" dirty="0"/>
+          </a:p>
+        </p:txBody>
+      </p:sp>
+      <p:sp>
+        <p:nvSpPr>
+          <p:cNvPr id="3" name="Content Placeholder 2">
+            <a:extLst>
+              <a:ext uri="{FF2B5EF4-FFF2-40B4-BE49-F238E27FC236}">
+                <a16:creationId xmlns:a16="http://schemas.microsoft.com/office/drawing/2014/main" id="{D57BD461-EA61-B240-A15C-1A425A3E7252}"/>
+              </a:ext>
+            </a:extLst>
+          </p:cNvPr>
+          <p:cNvSpPr>
+            <a:spLocks noGrp="1"/>
+          </p:cNvSpPr>
+          <p:nvPr>
+            <p:ph idx="1"/>
+          </p:nvPr>
+        </p:nvSpPr>
+        <p:spPr>
+          <a:xfrm>
+            <a:off x="755576" y="1988840"/>
+            <a:ext cx="8229600" cy="4525963"/>
+          </a:xfrm>
+        </p:spPr>
+        <p:txBody>
+          <a:bodyPr/>
+          <a:lstStyle/>
+          <a:p>
+            <a:r>
+              <a:rPr lang="en-US" dirty="0"/>
+              <a:t>Latent Factor Models</a:t>
+            </a:r>
+          </a:p>
+          <a:p>
+            <a:endParaRPr lang="en-US" dirty="0"/>
+          </a:p>
+          <a:p>
+            <a:endParaRPr lang="en-US" dirty="0"/>
+          </a:p>
+          <a:p>
+            <a:endParaRPr lang="en-US" dirty="0"/>
+          </a:p>
+          <a:p>
+            <a:endParaRPr lang="en-US" dirty="0"/>
+          </a:p>
+          <a:p>
+            <a:r>
+              <a:rPr lang="en-US" dirty="0"/>
+              <a:t>Nearest Neighbor </a:t>
+            </a:r>
+          </a:p>
+          <a:p>
+            <a:r>
+              <a:rPr lang="en-US" dirty="0"/>
+              <a:t>Compensatory Evaluation Rules</a:t>
+            </a:r>
+          </a:p>
+        </p:txBody>
+      </p:sp>
+      <p:graphicFrame>
+        <p:nvGraphicFramePr>
+          <p:cNvPr id="4" name="Table 3">
+            <a:extLst>
+              <a:ext uri="{FF2B5EF4-FFF2-40B4-BE49-F238E27FC236}">
+                <a16:creationId xmlns:a16="http://schemas.microsoft.com/office/drawing/2014/main" id="{AA4D7918-B3CC-0345-991A-FBB51B7E9208}"/>
+              </a:ext>
+            </a:extLst>
+          </p:cNvPr>
+          <p:cNvGraphicFramePr>
+            <a:graphicFrameLocks noGrp="1"/>
+          </p:cNvGraphicFramePr>
+          <p:nvPr>
+            <p:extLst>
+              <p:ext uri="{D42A27DB-BD31-4B8C-83A1-F6EECF244321}">
+                <p14:modId xmlns:p14="http://schemas.microsoft.com/office/powerpoint/2010/main" val="458312030"/>
+              </p:ext>
+            </p:extLst>
+          </p:nvPr>
+        </p:nvGraphicFramePr>
+        <p:xfrm>
+          <a:off x="971600" y="2564904"/>
+          <a:ext cx="7416825" cy="1483360"/>
+        </p:xfrm>
+        <a:graphic>
+          <a:graphicData uri="http://schemas.openxmlformats.org/drawingml/2006/table">
+            <a:tbl>
+              <a:tblPr firstRow="1" bandRow="1">
+                <a:tableStyleId>{5A111915-BE36-4E01-A7E5-04B1672EAD32}</a:tableStyleId>
+              </a:tblPr>
+              <a:tblGrid>
+                <a:gridCol w="1483365">
+                  <a:extLst>
+                    <a:ext uri="{9D8B030D-6E8A-4147-A177-3AD203B41FA5}">
+                      <a16:colId xmlns:a16="http://schemas.microsoft.com/office/drawing/2014/main" val="4053193279"/>
+                    </a:ext>
+                  </a:extLst>
+                </a:gridCol>
+                <a:gridCol w="1483365">
+                  <a:extLst>
+                    <a:ext uri="{9D8B030D-6E8A-4147-A177-3AD203B41FA5}">
+                      <a16:colId xmlns:a16="http://schemas.microsoft.com/office/drawing/2014/main" val="658496911"/>
+                    </a:ext>
+                  </a:extLst>
+                </a:gridCol>
+                <a:gridCol w="1483365">
+                  <a:extLst>
+                    <a:ext uri="{9D8B030D-6E8A-4147-A177-3AD203B41FA5}">
+                      <a16:colId xmlns:a16="http://schemas.microsoft.com/office/drawing/2014/main" val="2041202412"/>
+                    </a:ext>
+                  </a:extLst>
+                </a:gridCol>
+                <a:gridCol w="1483365">
+                  <a:extLst>
+                    <a:ext uri="{9D8B030D-6E8A-4147-A177-3AD203B41FA5}">
+                      <a16:colId xmlns:a16="http://schemas.microsoft.com/office/drawing/2014/main" val="1396095621"/>
+                    </a:ext>
+                  </a:extLst>
+                </a:gridCol>
+                <a:gridCol w="1483365">
+                  <a:extLst>
+                    <a:ext uri="{9D8B030D-6E8A-4147-A177-3AD203B41FA5}">
+                      <a16:colId xmlns:a16="http://schemas.microsoft.com/office/drawing/2014/main" val="2107735602"/>
+                    </a:ext>
+                  </a:extLst>
+                </a:gridCol>
+              </a:tblGrid>
+              <a:tr h="370840">
+                <a:tc>
+                  <a:txBody>
+                    <a:bodyPr/>
+                    <a:lstStyle/>
+                    <a:p>
+                      <a:r>
+                        <a:rPr lang="en-US" dirty="0"/>
+                        <a:t>Brand</a:t>
+                      </a:r>
+                    </a:p>
+                  </a:txBody>
+                  <a:tcPr/>
+                </a:tc>
+                <a:tc>
+                  <a:txBody>
+                    <a:bodyPr/>
+                    <a:lstStyle/>
+                    <a:p>
+                      <a:r>
+                        <a:rPr lang="en-US" dirty="0"/>
+                        <a:t>Battery life </a:t>
+                      </a:r>
+                    </a:p>
+                  </a:txBody>
+                  <a:tcPr/>
+                </a:tc>
+                <a:tc>
+                  <a:txBody>
+                    <a:bodyPr/>
+                    <a:lstStyle/>
+                    <a:p>
+                      <a:r>
+                        <a:rPr lang="en-US" dirty="0"/>
+                        <a:t>Price </a:t>
+                      </a:r>
+                    </a:p>
+                  </a:txBody>
+                  <a:tcPr/>
+                </a:tc>
+                <a:tc>
+                  <a:txBody>
+                    <a:bodyPr/>
+                    <a:lstStyle/>
+                    <a:p>
+                      <a:r>
+                        <a:rPr lang="en-US" dirty="0"/>
+                        <a:t>Memory </a:t>
+                      </a:r>
+                    </a:p>
+                  </a:txBody>
+                  <a:tcPr/>
+                </a:tc>
+                <a:tc>
+                  <a:txBody>
+                    <a:bodyPr/>
+                    <a:lstStyle/>
+                    <a:p>
+                      <a:r>
+                        <a:rPr lang="en-US" dirty="0"/>
+                        <a:t>Decision</a:t>
+                      </a:r>
+                    </a:p>
+                  </a:txBody>
+                  <a:tcPr/>
+                </a:tc>
+                <a:extLst>
+                  <a:ext uri="{0D108BD9-81ED-4DB2-BD59-A6C34878D82A}">
+                    <a16:rowId xmlns:a16="http://schemas.microsoft.com/office/drawing/2014/main" val="2106304950"/>
+                  </a:ext>
+                </a:extLst>
+              </a:tr>
+              <a:tr h="370840">
+                <a:tc>
+                  <a:txBody>
+                    <a:bodyPr/>
+                    <a:lstStyle/>
+                    <a:p>
+                      <a:pPr marL="0" marR="0" lvl="0" indent="0" algn="l" defTabSz="914400" rtl="0" eaLnBrk="1" fontAlgn="auto" latinLnBrk="0" hangingPunct="1">
+                        <a:lnSpc>
+                          <a:spcPct val="100000"/>
+                        </a:lnSpc>
+                        <a:spcBef>
+                          <a:spcPts val="0"/>
+                        </a:spcBef>
+                        <a:spcAft>
+                          <a:spcPts val="0"/>
+                        </a:spcAft>
+                        <a:buClrTx/>
+                        <a:buSzTx/>
+                        <a:buFontTx/>
+                        <a:buNone/>
+                        <a:tabLst/>
+                        <a:defRPr/>
+                      </a:pPr>
+                      <a:r>
+                        <a:rPr lang="en-US" dirty="0"/>
+                        <a:t>iPhone SE </a:t>
+                      </a:r>
+                    </a:p>
+                  </a:txBody>
+                  <a:tcPr/>
+                </a:tc>
+                <a:tc>
+                  <a:txBody>
+                    <a:bodyPr/>
+                    <a:lstStyle/>
+                    <a:p>
+                      <a:pPr marL="0" marR="0" lvl="0" indent="0" algn="l" defTabSz="914400" rtl="0" eaLnBrk="1" fontAlgn="auto" latinLnBrk="0" hangingPunct="1">
+                        <a:lnSpc>
+                          <a:spcPct val="100000"/>
+                        </a:lnSpc>
+                        <a:spcBef>
+                          <a:spcPts val="0"/>
+                        </a:spcBef>
+                        <a:spcAft>
+                          <a:spcPts val="0"/>
+                        </a:spcAft>
+                        <a:buClrTx/>
+                        <a:buSzTx/>
+                        <a:buFontTx/>
+                        <a:buNone/>
+                        <a:tabLst/>
+                        <a:defRPr/>
+                      </a:pPr>
+                      <a:r>
+                        <a:rPr lang="en-US" dirty="0"/>
+                        <a:t>13 hours </a:t>
+                      </a:r>
+                    </a:p>
+                  </a:txBody>
+                  <a:tcPr/>
+                </a:tc>
+                <a:tc>
+                  <a:txBody>
+                    <a:bodyPr/>
+                    <a:lstStyle/>
+                    <a:p>
+                      <a:r>
+                        <a:rPr lang="en-US" dirty="0"/>
+                        <a:t>700</a:t>
+                      </a:r>
+                    </a:p>
+                  </a:txBody>
+                  <a:tcPr/>
+                </a:tc>
+                <a:tc>
+                  <a:txBody>
+                    <a:bodyPr/>
+                    <a:lstStyle/>
+                    <a:p>
+                      <a:r>
+                        <a:rPr lang="en-US" dirty="0"/>
+                        <a:t>64 GB</a:t>
+                      </a:r>
+                    </a:p>
+                  </a:txBody>
+                  <a:tcPr/>
+                </a:tc>
+                <a:tc>
+                  <a:txBody>
+                    <a:bodyPr/>
+                    <a:lstStyle/>
+                    <a:p>
+                      <a:r>
+                        <a:rPr lang="en-US" dirty="0"/>
+                        <a:t>best</a:t>
+                      </a:r>
+                    </a:p>
+                  </a:txBody>
+                  <a:tcPr/>
+                </a:tc>
+                <a:extLst>
+                  <a:ext uri="{0D108BD9-81ED-4DB2-BD59-A6C34878D82A}">
+                    <a16:rowId xmlns:a16="http://schemas.microsoft.com/office/drawing/2014/main" val="2496064144"/>
+                  </a:ext>
+                </a:extLst>
+              </a:tr>
+              <a:tr h="370840">
+                <a:tc>
+                  <a:txBody>
+                    <a:bodyPr/>
+                    <a:lstStyle/>
+                    <a:p>
+                      <a:r>
+                        <a:rPr lang="en-US" dirty="0"/>
+                        <a:t>Galaxy S8 </a:t>
+                      </a:r>
+                    </a:p>
+                  </a:txBody>
+                  <a:tcPr/>
+                </a:tc>
+                <a:tc>
+                  <a:txBody>
+                    <a:bodyPr/>
+                    <a:lstStyle/>
+                    <a:p>
+                      <a:r>
+                        <a:rPr lang="en-US" dirty="0"/>
+                        <a:t>9 hours</a:t>
+                      </a:r>
+                    </a:p>
+                  </a:txBody>
+                  <a:tcPr/>
+                </a:tc>
+                <a:tc>
+                  <a:txBody>
+                    <a:bodyPr/>
+                    <a:lstStyle/>
+                    <a:p>
+                      <a:r>
+                        <a:rPr lang="en-US" dirty="0"/>
+                        <a:t>500</a:t>
+                      </a:r>
+                    </a:p>
+                  </a:txBody>
+                  <a:tcPr/>
+                </a:tc>
+                <a:tc>
+                  <a:txBody>
+                    <a:bodyPr/>
+                    <a:lstStyle/>
+                    <a:p>
+                      <a:r>
+                        <a:rPr lang="en-US" dirty="0"/>
+                        <a:t>128 GB</a:t>
+                      </a:r>
+                    </a:p>
+                  </a:txBody>
+                  <a:tcPr/>
+                </a:tc>
+                <a:tc>
+                  <a:txBody>
+                    <a:bodyPr/>
+                    <a:lstStyle/>
+                    <a:p>
+                      <a:endParaRPr lang="en-US" dirty="0"/>
+                    </a:p>
+                  </a:txBody>
+                  <a:tcPr/>
+                </a:tc>
+                <a:extLst>
+                  <a:ext uri="{0D108BD9-81ED-4DB2-BD59-A6C34878D82A}">
+                    <a16:rowId xmlns:a16="http://schemas.microsoft.com/office/drawing/2014/main" val="1101723158"/>
+                  </a:ext>
+                </a:extLst>
+              </a:tr>
+              <a:tr h="370840">
+                <a:tc>
+                  <a:txBody>
+                    <a:bodyPr/>
+                    <a:lstStyle/>
+                    <a:p>
+                      <a:r>
+                        <a:rPr lang="en-US" dirty="0"/>
+                        <a:t>Honor 10</a:t>
+                      </a:r>
+                    </a:p>
+                  </a:txBody>
+                  <a:tcPr/>
+                </a:tc>
+                <a:tc>
+                  <a:txBody>
+                    <a:bodyPr/>
+                    <a:lstStyle/>
+                    <a:p>
+                      <a:r>
+                        <a:rPr lang="en-US" dirty="0"/>
+                        <a:t>24 hours</a:t>
+                      </a:r>
+                    </a:p>
+                  </a:txBody>
+                  <a:tcPr/>
+                </a:tc>
+                <a:tc>
+                  <a:txBody>
+                    <a:bodyPr/>
+                    <a:lstStyle/>
+                    <a:p>
+                      <a:r>
+                        <a:rPr lang="en-US" dirty="0"/>
+                        <a:t>589</a:t>
+                      </a:r>
+                    </a:p>
+                  </a:txBody>
+                  <a:tcPr/>
+                </a:tc>
+                <a:tc>
+                  <a:txBody>
+                    <a:bodyPr/>
+                    <a:lstStyle/>
+                    <a:p>
+                      <a:r>
+                        <a:rPr lang="en-US" dirty="0"/>
+                        <a:t>128 GB</a:t>
+                      </a:r>
+                    </a:p>
+                  </a:txBody>
+                  <a:tcPr/>
+                </a:tc>
+                <a:tc>
+                  <a:txBody>
+                    <a:bodyPr/>
+                    <a:lstStyle/>
+                    <a:p>
+                      <a:endParaRPr lang="en-US" dirty="0"/>
+                    </a:p>
+                  </a:txBody>
+                  <a:tcPr/>
+                </a:tc>
+                <a:extLst>
+                  <a:ext uri="{0D108BD9-81ED-4DB2-BD59-A6C34878D82A}">
+                    <a16:rowId xmlns:a16="http://schemas.microsoft.com/office/drawing/2014/main" val="1841927070"/>
+                  </a:ext>
+                </a:extLst>
+              </a:tr>
+            </a:tbl>
+          </a:graphicData>
+        </a:graphic>
+      </p:graphicFrame>
+      <p:sp>
+        <p:nvSpPr>
+          <p:cNvPr id="5" name="Rectangle 4">
+            <a:extLst>
+              <a:ext uri="{FF2B5EF4-FFF2-40B4-BE49-F238E27FC236}">
+                <a16:creationId xmlns:a16="http://schemas.microsoft.com/office/drawing/2014/main" id="{9E2CBAB2-BC2D-7F48-929E-F77E3ADF6205}"/>
+              </a:ext>
+            </a:extLst>
+          </p:cNvPr>
+          <p:cNvSpPr/>
+          <p:nvPr/>
+        </p:nvSpPr>
+        <p:spPr>
+          <a:xfrm>
+            <a:off x="2536315" y="4250586"/>
+            <a:ext cx="167680" cy="499194"/>
+          </a:xfrm>
+          <a:prstGeom prst="rect">
+            <a:avLst/>
+          </a:prstGeom>
+          <a:solidFill>
+            <a:schemeClr val="accent2">
+              <a:lumMod val="60000"/>
+              <a:lumOff val="40000"/>
+            </a:schemeClr>
+          </a:solidFill>
+          <a:ln>
+            <a:solidFill>
+              <a:schemeClr val="accent2">
+                <a:lumMod val="60000"/>
+                <a:lumOff val="40000"/>
+              </a:schemeClr>
+            </a:solidFill>
+          </a:ln>
+        </p:spPr>
+        <p:style>
+          <a:lnRef idx="2">
+            <a:schemeClr val="accent1">
+              <a:shade val="50000"/>
+            </a:schemeClr>
+          </a:lnRef>
+          <a:fillRef idx="1">
+            <a:schemeClr val="accent1"/>
+          </a:fillRef>
+          <a:effectRef idx="0">
+            <a:schemeClr val="accent1"/>
+          </a:effectRef>
+          <a:fontRef idx="minor">
+            <a:schemeClr val="lt1"/>
+          </a:fontRef>
+        </p:style>
+        <p:txBody>
+          <a:bodyPr rtlCol="0" anchor="ctr"/>
+          <a:lstStyle/>
+          <a:p>
+            <a:pPr algn="ctr"/>
+            <a:endParaRPr lang="en-US"/>
+          </a:p>
+        </p:txBody>
+      </p:sp>
+      <p:sp>
+        <p:nvSpPr>
+          <p:cNvPr id="6" name="Rectangle 5">
+            <a:extLst>
+              <a:ext uri="{FF2B5EF4-FFF2-40B4-BE49-F238E27FC236}">
+                <a16:creationId xmlns:a16="http://schemas.microsoft.com/office/drawing/2014/main" id="{9E7C032D-EFF1-384C-A781-840AD2685A3D}"/>
+              </a:ext>
+            </a:extLst>
+          </p:cNvPr>
+          <p:cNvSpPr/>
+          <p:nvPr/>
+        </p:nvSpPr>
+        <p:spPr>
+          <a:xfrm>
+            <a:off x="4119003" y="4363869"/>
+            <a:ext cx="167680" cy="385911"/>
+          </a:xfrm>
+          <a:prstGeom prst="rect">
+            <a:avLst/>
+          </a:prstGeom>
+          <a:solidFill>
+            <a:schemeClr val="accent2">
+              <a:lumMod val="60000"/>
+              <a:lumOff val="40000"/>
+            </a:schemeClr>
+          </a:solidFill>
+          <a:ln>
+            <a:solidFill>
+              <a:schemeClr val="accent2">
+                <a:lumMod val="60000"/>
+                <a:lumOff val="40000"/>
+              </a:schemeClr>
+            </a:solidFill>
+          </a:ln>
+        </p:spPr>
+        <p:style>
+          <a:lnRef idx="2">
+            <a:schemeClr val="accent1">
+              <a:shade val="50000"/>
+            </a:schemeClr>
+          </a:lnRef>
+          <a:fillRef idx="1">
+            <a:schemeClr val="accent1"/>
+          </a:fillRef>
+          <a:effectRef idx="0">
+            <a:schemeClr val="accent1"/>
+          </a:effectRef>
+          <a:fontRef idx="minor">
+            <a:schemeClr val="lt1"/>
+          </a:fontRef>
+        </p:style>
+        <p:txBody>
+          <a:bodyPr rtlCol="0" anchor="ctr"/>
+          <a:lstStyle/>
+          <a:p>
+            <a:pPr algn="ctr"/>
+            <a:endParaRPr lang="en-US"/>
+          </a:p>
+        </p:txBody>
+      </p:sp>
+      <p:sp>
+        <p:nvSpPr>
+          <p:cNvPr id="7" name="Rectangle 6">
+            <a:extLst>
+              <a:ext uri="{FF2B5EF4-FFF2-40B4-BE49-F238E27FC236}">
+                <a16:creationId xmlns:a16="http://schemas.microsoft.com/office/drawing/2014/main" id="{24C69C3D-3394-A345-A36E-FEC0B892EFCC}"/>
+              </a:ext>
+            </a:extLst>
+          </p:cNvPr>
+          <p:cNvSpPr/>
+          <p:nvPr/>
+        </p:nvSpPr>
+        <p:spPr>
+          <a:xfrm>
+            <a:off x="5652120" y="4250586"/>
+            <a:ext cx="167680" cy="499194"/>
+          </a:xfrm>
+          <a:prstGeom prst="rect">
+            <a:avLst/>
+          </a:prstGeom>
+          <a:solidFill>
+            <a:schemeClr val="accent2">
+              <a:lumMod val="60000"/>
+              <a:lumOff val="40000"/>
+            </a:schemeClr>
+          </a:solidFill>
+          <a:ln>
+            <a:solidFill>
+              <a:schemeClr val="accent2">
+                <a:lumMod val="60000"/>
+                <a:lumOff val="40000"/>
+              </a:schemeClr>
+            </a:solidFill>
+          </a:ln>
+        </p:spPr>
+        <p:style>
+          <a:lnRef idx="2">
+            <a:schemeClr val="accent1">
+              <a:shade val="50000"/>
+            </a:schemeClr>
+          </a:lnRef>
+          <a:fillRef idx="1">
+            <a:schemeClr val="accent1"/>
+          </a:fillRef>
+          <a:effectRef idx="0">
+            <a:schemeClr val="accent1"/>
+          </a:effectRef>
+          <a:fontRef idx="minor">
+            <a:schemeClr val="lt1"/>
+          </a:fontRef>
+        </p:style>
+        <p:txBody>
+          <a:bodyPr rtlCol="0" anchor="ctr"/>
+          <a:lstStyle/>
+          <a:p>
+            <a:pPr algn="ctr"/>
+            <a:endParaRPr lang="en-US"/>
+          </a:p>
+        </p:txBody>
+      </p:sp>
+      <p:sp>
+        <p:nvSpPr>
+          <p:cNvPr id="8" name="Arc 7">
+            <a:extLst>
+              <a:ext uri="{FF2B5EF4-FFF2-40B4-BE49-F238E27FC236}">
+                <a16:creationId xmlns:a16="http://schemas.microsoft.com/office/drawing/2014/main" id="{0365A98D-4BD0-1B44-9135-E3F372BE1975}"/>
+              </a:ext>
+            </a:extLst>
+          </p:cNvPr>
+          <p:cNvSpPr/>
+          <p:nvPr/>
+        </p:nvSpPr>
+        <p:spPr>
+          <a:xfrm>
+            <a:off x="7380563" y="3185671"/>
+            <a:ext cx="783715" cy="1178197"/>
+          </a:xfrm>
+          <a:prstGeom prst="arc">
+            <a:avLst>
+              <a:gd name="adj1" fmla="val 17353752"/>
+              <a:gd name="adj2" fmla="val 4953530"/>
+            </a:avLst>
+          </a:prstGeom>
+          <a:noFill/>
+          <a:ln>
+            <a:solidFill>
+              <a:srgbClr val="FFC000"/>
+            </a:solidFill>
+          </a:ln>
+        </p:spPr>
+        <p:style>
+          <a:lnRef idx="1">
+            <a:schemeClr val="accent1"/>
+          </a:lnRef>
+          <a:fillRef idx="0">
+            <a:schemeClr val="accent1"/>
+          </a:fillRef>
+          <a:effectRef idx="0">
+            <a:schemeClr val="accent1"/>
+          </a:effectRef>
+          <a:fontRef idx="minor">
+            <a:schemeClr val="tx1"/>
+          </a:fontRef>
+        </p:style>
+        <p:txBody>
+          <a:bodyPr rtlCol="0" anchor="ctr"/>
+          <a:lstStyle/>
+          <a:p>
+            <a:pPr algn="ctr"/>
+            <a:endParaRPr lang="en-US"/>
+          </a:p>
+        </p:txBody>
+      </p:sp>
+      <p:sp>
+        <p:nvSpPr>
+          <p:cNvPr id="9" name="Cross 8">
+            <a:extLst>
+              <a:ext uri="{FF2B5EF4-FFF2-40B4-BE49-F238E27FC236}">
+                <a16:creationId xmlns:a16="http://schemas.microsoft.com/office/drawing/2014/main" id="{2A602166-B573-284C-B7AA-2BE286978D1A}"/>
+              </a:ext>
+            </a:extLst>
+          </p:cNvPr>
+          <p:cNvSpPr/>
+          <p:nvPr/>
+        </p:nvSpPr>
+        <p:spPr>
+          <a:xfrm>
+            <a:off x="3297087" y="4370238"/>
+            <a:ext cx="389587" cy="385912"/>
+          </a:xfrm>
+          <a:prstGeom prst="plus">
+            <a:avLst>
+              <a:gd name="adj" fmla="val 47472"/>
+            </a:avLst>
+          </a:prstGeom>
+          <a:ln>
+            <a:solidFill>
+              <a:srgbClr val="FFC000"/>
+            </a:solidFill>
+          </a:ln>
+        </p:spPr>
+        <p:style>
+          <a:lnRef idx="2">
+            <a:schemeClr val="accent1">
+              <a:shade val="50000"/>
+            </a:schemeClr>
+          </a:lnRef>
+          <a:fillRef idx="1">
+            <a:schemeClr val="accent1"/>
+          </a:fillRef>
+          <a:effectRef idx="0">
+            <a:schemeClr val="accent1"/>
+          </a:effectRef>
+          <a:fontRef idx="minor">
+            <a:schemeClr val="lt1"/>
+          </a:fontRef>
+        </p:style>
+        <p:txBody>
+          <a:bodyPr rtlCol="0" anchor="ctr"/>
+          <a:lstStyle/>
+          <a:p>
+            <a:pPr algn="ctr"/>
+            <a:endParaRPr lang="en-US"/>
+          </a:p>
+        </p:txBody>
+      </p:sp>
+      <p:sp>
+        <p:nvSpPr>
+          <p:cNvPr id="10" name="Cross 9">
+            <a:extLst>
+              <a:ext uri="{FF2B5EF4-FFF2-40B4-BE49-F238E27FC236}">
+                <a16:creationId xmlns:a16="http://schemas.microsoft.com/office/drawing/2014/main" id="{BB5569AF-8955-0F45-9A82-392838013D41}"/>
+              </a:ext>
+            </a:extLst>
+          </p:cNvPr>
+          <p:cNvSpPr/>
+          <p:nvPr/>
+        </p:nvSpPr>
+        <p:spPr>
+          <a:xfrm>
+            <a:off x="4684981" y="4363868"/>
+            <a:ext cx="389587" cy="385912"/>
+          </a:xfrm>
+          <a:prstGeom prst="plus">
+            <a:avLst>
+              <a:gd name="adj" fmla="val 47472"/>
+            </a:avLst>
+          </a:prstGeom>
+          <a:ln>
+            <a:solidFill>
+              <a:srgbClr val="FFC000"/>
+            </a:solidFill>
+          </a:ln>
+        </p:spPr>
+        <p:style>
+          <a:lnRef idx="2">
+            <a:schemeClr val="accent1">
+              <a:shade val="50000"/>
+            </a:schemeClr>
+          </a:lnRef>
+          <a:fillRef idx="1">
+            <a:schemeClr val="accent1"/>
+          </a:fillRef>
+          <a:effectRef idx="0">
+            <a:schemeClr val="accent1"/>
+          </a:effectRef>
+          <a:fontRef idx="minor">
+            <a:schemeClr val="lt1"/>
+          </a:fontRef>
+        </p:style>
+        <p:txBody>
+          <a:bodyPr rtlCol="0" anchor="ctr"/>
+          <a:lstStyle/>
+          <a:p>
+            <a:pPr algn="ctr"/>
+            <a:endParaRPr lang="en-US"/>
+          </a:p>
+        </p:txBody>
+      </p:sp>
+      <p:sp>
+        <p:nvSpPr>
+          <p:cNvPr id="11" name="TextBox 10">
+            <a:extLst>
+              <a:ext uri="{FF2B5EF4-FFF2-40B4-BE49-F238E27FC236}">
+                <a16:creationId xmlns:a16="http://schemas.microsoft.com/office/drawing/2014/main" id="{38E3B2D0-2D5E-054D-B8DC-7B2BAEB3804A}"/>
+              </a:ext>
+            </a:extLst>
+          </p:cNvPr>
+          <p:cNvSpPr txBox="1"/>
+          <p:nvPr/>
+        </p:nvSpPr>
+        <p:spPr>
+          <a:xfrm>
+            <a:off x="662242" y="4434800"/>
+            <a:ext cx="1690463" cy="369332"/>
+          </a:xfrm>
+          <a:prstGeom prst="rect">
+            <a:avLst/>
+          </a:prstGeom>
+          <a:noFill/>
+        </p:spPr>
+        <p:txBody>
+          <a:bodyPr wrap="none" rtlCol="0">
+            <a:spAutoFit/>
+          </a:bodyPr>
+          <a:lstStyle/>
+          <a:p>
+            <a:r>
+              <a:rPr lang="en-US" dirty="0">
+                <a:solidFill>
+                  <a:schemeClr val="accent2">
+                    <a:lumMod val="60000"/>
+                    <a:lumOff val="40000"/>
+                  </a:schemeClr>
+                </a:solidFill>
+              </a:rPr>
+              <a:t>User preference</a:t>
+            </a:r>
+          </a:p>
+        </p:txBody>
+      </p:sp>
+      <p:sp>
+        <p:nvSpPr>
+          <p:cNvPr id="16" name="TextBox 15">
+            <a:extLst>
+              <a:ext uri="{FF2B5EF4-FFF2-40B4-BE49-F238E27FC236}">
+                <a16:creationId xmlns:a16="http://schemas.microsoft.com/office/drawing/2014/main" id="{96BFAF11-44F8-CF46-ABF2-F63060207F07}"/>
+              </a:ext>
+            </a:extLst>
+          </p:cNvPr>
+          <p:cNvSpPr txBox="1"/>
+          <p:nvPr/>
+        </p:nvSpPr>
+        <p:spPr>
+          <a:xfrm>
+            <a:off x="6222664" y="4500183"/>
+            <a:ext cx="2464136" cy="369332"/>
+          </a:xfrm>
+          <a:prstGeom prst="rect">
+            <a:avLst/>
+          </a:prstGeom>
+          <a:noFill/>
+        </p:spPr>
+        <p:txBody>
+          <a:bodyPr wrap="none" rtlCol="0">
+            <a:spAutoFit/>
+          </a:bodyPr>
+          <a:lstStyle/>
+          <a:p>
+            <a:r>
+              <a:rPr lang="en-US" dirty="0"/>
+              <a:t>0.7x0.5+0.3x0.7+0.8x0.5</a:t>
+            </a:r>
           </a:p>
         </p:txBody>
       </p:sp>
     </p:spTree>
+    <p:extLst>
+      <p:ext uri="{BB962C8B-B14F-4D97-AF65-F5344CB8AC3E}">
+        <p14:creationId xmlns:p14="http://schemas.microsoft.com/office/powerpoint/2010/main" val="1994776963"/>
+      </p:ext>
+    </p:extLst>
+  </p:cSld>
+  <p:clrMapOvr>
+    <a:masterClrMapping/>
+  </p:clrMapOvr>
+</p:sld>
+</file>
+
+<file path=ppt/slides/slide3.xml><?xml version="1.0" encoding="utf-8"?>
+<p:sld xmlns:a="http://schemas.openxmlformats.org/drawingml/2006/main" xmlns:r="http://schemas.openxmlformats.org/officeDocument/2006/relationships" xmlns:p="http://schemas.openxmlformats.org/presentationml/2006/main">
+  <p:cSld>
+    <p:spTree>
+      <p:nvGrpSpPr>
+        <p:cNvPr id="1" name=""/>
+        <p:cNvGrpSpPr/>
+        <p:nvPr/>
+      </p:nvGrpSpPr>
+      <p:grpSpPr>
+        <a:xfrm>
+          <a:off x="0" y="0"/>
+          <a:ext cx="0" cy="0"/>
+          <a:chOff x="0" y="0"/>
+          <a:chExt cx="0" cy="0"/>
+        </a:xfrm>
+      </p:grpSpPr>
+      <p:sp>
+        <p:nvSpPr>
+          <p:cNvPr id="2" name="Title 1">
+            <a:extLst>
+              <a:ext uri="{FF2B5EF4-FFF2-40B4-BE49-F238E27FC236}">
+                <a16:creationId xmlns:a16="http://schemas.microsoft.com/office/drawing/2014/main" id="{2C9313E4-7BB2-C540-813C-36B3A42FC4EB}"/>
+              </a:ext>
+            </a:extLst>
+          </p:cNvPr>
+          <p:cNvSpPr>
+            <a:spLocks noGrp="1"/>
+          </p:cNvSpPr>
+          <p:nvPr>
+            <p:ph type="title"/>
+          </p:nvPr>
+        </p:nvSpPr>
+        <p:spPr/>
+        <p:txBody>
+          <a:bodyPr>
+            <a:normAutofit fontScale="90000"/>
+          </a:bodyPr>
+          <a:lstStyle/>
+          <a:p>
+            <a:r>
+              <a:rPr lang="en-US" dirty="0"/>
+              <a:t>Non-Compensatory Evaluation Rules</a:t>
+            </a:r>
+          </a:p>
+        </p:txBody>
+      </p:sp>
+      <p:sp>
+        <p:nvSpPr>
+          <p:cNvPr id="3" name="Content Placeholder 2">
+            <a:extLst>
+              <a:ext uri="{FF2B5EF4-FFF2-40B4-BE49-F238E27FC236}">
+                <a16:creationId xmlns:a16="http://schemas.microsoft.com/office/drawing/2014/main" id="{409C9BD6-6075-A64D-AFBD-FA9DCDBA4C81}"/>
+              </a:ext>
+            </a:extLst>
+          </p:cNvPr>
+          <p:cNvSpPr>
+            <a:spLocks noGrp="1"/>
+          </p:cNvSpPr>
+          <p:nvPr>
+            <p:ph idx="1"/>
+          </p:nvPr>
+        </p:nvSpPr>
+        <p:spPr/>
+        <p:txBody>
+          <a:bodyPr/>
+          <a:lstStyle/>
+          <a:p>
+            <a:r>
+              <a:rPr lang="en-US" dirty="0"/>
+              <a:t>Lexicographic Rules</a:t>
+            </a:r>
+          </a:p>
+          <a:p>
+            <a:r>
+              <a:rPr lang="en-US" dirty="0"/>
+              <a:t>Conjunctive Rules</a:t>
+            </a:r>
+          </a:p>
+        </p:txBody>
+      </p:sp>
+      <p:graphicFrame>
+        <p:nvGraphicFramePr>
+          <p:cNvPr id="4" name="Table 3">
+            <a:extLst>
+              <a:ext uri="{FF2B5EF4-FFF2-40B4-BE49-F238E27FC236}">
+                <a16:creationId xmlns:a16="http://schemas.microsoft.com/office/drawing/2014/main" id="{D0F4686E-D969-B14A-90E5-10F54990B3A2}"/>
+              </a:ext>
+            </a:extLst>
+          </p:cNvPr>
+          <p:cNvGraphicFramePr>
+            <a:graphicFrameLocks noGrp="1"/>
+          </p:cNvGraphicFramePr>
+          <p:nvPr>
+            <p:extLst>
+              <p:ext uri="{D42A27DB-BD31-4B8C-83A1-F6EECF244321}">
+                <p14:modId xmlns:p14="http://schemas.microsoft.com/office/powerpoint/2010/main" val="19801134"/>
+              </p:ext>
+            </p:extLst>
+          </p:nvPr>
+        </p:nvGraphicFramePr>
+        <p:xfrm>
+          <a:off x="863587" y="3121501"/>
+          <a:ext cx="7416825" cy="1483360"/>
+        </p:xfrm>
+        <a:graphic>
+          <a:graphicData uri="http://schemas.openxmlformats.org/drawingml/2006/table">
+            <a:tbl>
+              <a:tblPr firstRow="1" bandRow="1">
+                <a:tableStyleId>{5A111915-BE36-4E01-A7E5-04B1672EAD32}</a:tableStyleId>
+              </a:tblPr>
+              <a:tblGrid>
+                <a:gridCol w="1483365">
+                  <a:extLst>
+                    <a:ext uri="{9D8B030D-6E8A-4147-A177-3AD203B41FA5}">
+                      <a16:colId xmlns:a16="http://schemas.microsoft.com/office/drawing/2014/main" val="4053193279"/>
+                    </a:ext>
+                  </a:extLst>
+                </a:gridCol>
+                <a:gridCol w="1483365">
+                  <a:extLst>
+                    <a:ext uri="{9D8B030D-6E8A-4147-A177-3AD203B41FA5}">
+                      <a16:colId xmlns:a16="http://schemas.microsoft.com/office/drawing/2014/main" val="658496911"/>
+                    </a:ext>
+                  </a:extLst>
+                </a:gridCol>
+                <a:gridCol w="1483365">
+                  <a:extLst>
+                    <a:ext uri="{9D8B030D-6E8A-4147-A177-3AD203B41FA5}">
+                      <a16:colId xmlns:a16="http://schemas.microsoft.com/office/drawing/2014/main" val="2041202412"/>
+                    </a:ext>
+                  </a:extLst>
+                </a:gridCol>
+                <a:gridCol w="1483365">
+                  <a:extLst>
+                    <a:ext uri="{9D8B030D-6E8A-4147-A177-3AD203B41FA5}">
+                      <a16:colId xmlns:a16="http://schemas.microsoft.com/office/drawing/2014/main" val="1396095621"/>
+                    </a:ext>
+                  </a:extLst>
+                </a:gridCol>
+                <a:gridCol w="1483365">
+                  <a:extLst>
+                    <a:ext uri="{9D8B030D-6E8A-4147-A177-3AD203B41FA5}">
+                      <a16:colId xmlns:a16="http://schemas.microsoft.com/office/drawing/2014/main" val="2107735602"/>
+                    </a:ext>
+                  </a:extLst>
+                </a:gridCol>
+              </a:tblGrid>
+              <a:tr h="370840">
+                <a:tc>
+                  <a:txBody>
+                    <a:bodyPr/>
+                    <a:lstStyle/>
+                    <a:p>
+                      <a:r>
+                        <a:rPr lang="en-US" dirty="0"/>
+                        <a:t>Brand</a:t>
+                      </a:r>
+                    </a:p>
+                  </a:txBody>
+                  <a:tcPr/>
+                </a:tc>
+                <a:tc>
+                  <a:txBody>
+                    <a:bodyPr/>
+                    <a:lstStyle/>
+                    <a:p>
+                      <a:r>
+                        <a:rPr lang="en-US" dirty="0"/>
+                        <a:t>Battery life </a:t>
+                      </a:r>
+                    </a:p>
+                  </a:txBody>
+                  <a:tcPr/>
+                </a:tc>
+                <a:tc>
+                  <a:txBody>
+                    <a:bodyPr/>
+                    <a:lstStyle/>
+                    <a:p>
+                      <a:r>
+                        <a:rPr lang="en-US" dirty="0"/>
+                        <a:t>Price </a:t>
+                      </a:r>
+                    </a:p>
+                  </a:txBody>
+                  <a:tcPr/>
+                </a:tc>
+                <a:tc>
+                  <a:txBody>
+                    <a:bodyPr/>
+                    <a:lstStyle/>
+                    <a:p>
+                      <a:r>
+                        <a:rPr lang="en-US" dirty="0"/>
+                        <a:t>Memory </a:t>
+                      </a:r>
+                    </a:p>
+                  </a:txBody>
+                  <a:tcPr/>
+                </a:tc>
+                <a:tc>
+                  <a:txBody>
+                    <a:bodyPr/>
+                    <a:lstStyle/>
+                    <a:p>
+                      <a:r>
+                        <a:rPr lang="en-US" dirty="0"/>
+                        <a:t>Decision</a:t>
+                      </a:r>
+                    </a:p>
+                  </a:txBody>
+                  <a:tcPr/>
+                </a:tc>
+                <a:extLst>
+                  <a:ext uri="{0D108BD9-81ED-4DB2-BD59-A6C34878D82A}">
+                    <a16:rowId xmlns:a16="http://schemas.microsoft.com/office/drawing/2014/main" val="2106304950"/>
+                  </a:ext>
+                </a:extLst>
+              </a:tr>
+              <a:tr h="370840">
+                <a:tc>
+                  <a:txBody>
+                    <a:bodyPr/>
+                    <a:lstStyle/>
+                    <a:p>
+                      <a:pPr marL="0" marR="0" lvl="0" indent="0" algn="l" defTabSz="914400" rtl="0" eaLnBrk="1" fontAlgn="auto" latinLnBrk="0" hangingPunct="1">
+                        <a:lnSpc>
+                          <a:spcPct val="100000"/>
+                        </a:lnSpc>
+                        <a:spcBef>
+                          <a:spcPts val="0"/>
+                        </a:spcBef>
+                        <a:spcAft>
+                          <a:spcPts val="0"/>
+                        </a:spcAft>
+                        <a:buClrTx/>
+                        <a:buSzTx/>
+                        <a:buFontTx/>
+                        <a:buNone/>
+                        <a:tabLst/>
+                        <a:defRPr/>
+                      </a:pPr>
+                      <a:r>
+                        <a:rPr lang="en-US" dirty="0"/>
+                        <a:t>iPhone SE </a:t>
+                      </a:r>
+                    </a:p>
+                  </a:txBody>
+                  <a:tcPr/>
+                </a:tc>
+                <a:tc>
+                  <a:txBody>
+                    <a:bodyPr/>
+                    <a:lstStyle/>
+                    <a:p>
+                      <a:pPr marL="0" marR="0" lvl="0" indent="0" algn="l" defTabSz="914400" rtl="0" eaLnBrk="1" fontAlgn="auto" latinLnBrk="0" hangingPunct="1">
+                        <a:lnSpc>
+                          <a:spcPct val="100000"/>
+                        </a:lnSpc>
+                        <a:spcBef>
+                          <a:spcPts val="0"/>
+                        </a:spcBef>
+                        <a:spcAft>
+                          <a:spcPts val="0"/>
+                        </a:spcAft>
+                        <a:buClrTx/>
+                        <a:buSzTx/>
+                        <a:buFontTx/>
+                        <a:buNone/>
+                        <a:tabLst/>
+                        <a:defRPr/>
+                      </a:pPr>
+                      <a:r>
+                        <a:rPr lang="en-US" dirty="0"/>
+                        <a:t>13 hours </a:t>
+                      </a:r>
+                    </a:p>
+                  </a:txBody>
+                  <a:tcPr/>
+                </a:tc>
+                <a:tc>
+                  <a:txBody>
+                    <a:bodyPr/>
+                    <a:lstStyle/>
+                    <a:p>
+                      <a:r>
+                        <a:rPr lang="en-US" dirty="0"/>
+                        <a:t>700</a:t>
+                      </a:r>
+                    </a:p>
+                  </a:txBody>
+                  <a:tcPr/>
+                </a:tc>
+                <a:tc>
+                  <a:txBody>
+                    <a:bodyPr/>
+                    <a:lstStyle/>
+                    <a:p>
+                      <a:r>
+                        <a:rPr lang="en-US" dirty="0"/>
+                        <a:t>64 GB</a:t>
+                      </a:r>
+                    </a:p>
+                  </a:txBody>
+                  <a:tcPr/>
+                </a:tc>
+                <a:tc>
+                  <a:txBody>
+                    <a:bodyPr/>
+                    <a:lstStyle/>
+                    <a:p>
+                      <a:r>
+                        <a:rPr lang="en-US" dirty="0"/>
+                        <a:t>Unacceptable</a:t>
+                      </a:r>
+                    </a:p>
+                  </a:txBody>
+                  <a:tcPr/>
+                </a:tc>
+                <a:extLst>
+                  <a:ext uri="{0D108BD9-81ED-4DB2-BD59-A6C34878D82A}">
+                    <a16:rowId xmlns:a16="http://schemas.microsoft.com/office/drawing/2014/main" val="2496064144"/>
+                  </a:ext>
+                </a:extLst>
+              </a:tr>
+              <a:tr h="370840">
+                <a:tc>
+                  <a:txBody>
+                    <a:bodyPr/>
+                    <a:lstStyle/>
+                    <a:p>
+                      <a:r>
+                        <a:rPr lang="en-US" dirty="0"/>
+                        <a:t>Galaxy S8 </a:t>
+                      </a:r>
+                    </a:p>
+                  </a:txBody>
+                  <a:tcPr/>
+                </a:tc>
+                <a:tc>
+                  <a:txBody>
+                    <a:bodyPr/>
+                    <a:lstStyle/>
+                    <a:p>
+                      <a:r>
+                        <a:rPr lang="en-US" dirty="0"/>
+                        <a:t>9 hours</a:t>
+                      </a:r>
+                    </a:p>
+                  </a:txBody>
+                  <a:tcPr/>
+                </a:tc>
+                <a:tc>
+                  <a:txBody>
+                    <a:bodyPr/>
+                    <a:lstStyle/>
+                    <a:p>
+                      <a:r>
+                        <a:rPr lang="en-US" dirty="0"/>
+                        <a:t>500</a:t>
+                      </a:r>
+                    </a:p>
+                  </a:txBody>
+                  <a:tcPr/>
+                </a:tc>
+                <a:tc>
+                  <a:txBody>
+                    <a:bodyPr/>
+                    <a:lstStyle/>
+                    <a:p>
+                      <a:r>
+                        <a:rPr lang="en-US" dirty="0"/>
+                        <a:t>128 GB</a:t>
+                      </a:r>
+                    </a:p>
+                  </a:txBody>
+                  <a:tcPr/>
+                </a:tc>
+                <a:tc>
+                  <a:txBody>
+                    <a:bodyPr/>
+                    <a:lstStyle/>
+                    <a:p>
+                      <a:r>
+                        <a:rPr lang="en-US" dirty="0"/>
+                        <a:t>Second best</a:t>
+                      </a:r>
+                    </a:p>
+                  </a:txBody>
+                  <a:tcPr/>
+                </a:tc>
+                <a:extLst>
+                  <a:ext uri="{0D108BD9-81ED-4DB2-BD59-A6C34878D82A}">
+                    <a16:rowId xmlns:a16="http://schemas.microsoft.com/office/drawing/2014/main" val="1101723158"/>
+                  </a:ext>
+                </a:extLst>
+              </a:tr>
+              <a:tr h="370840">
+                <a:tc>
+                  <a:txBody>
+                    <a:bodyPr/>
+                    <a:lstStyle/>
+                    <a:p>
+                      <a:r>
+                        <a:rPr lang="en-US" dirty="0"/>
+                        <a:t>Honor 10</a:t>
+                      </a:r>
+                    </a:p>
+                  </a:txBody>
+                  <a:tcPr/>
+                </a:tc>
+                <a:tc>
+                  <a:txBody>
+                    <a:bodyPr/>
+                    <a:lstStyle/>
+                    <a:p>
+                      <a:r>
+                        <a:rPr lang="en-US" dirty="0"/>
+                        <a:t>24 hours</a:t>
+                      </a:r>
+                    </a:p>
+                  </a:txBody>
+                  <a:tcPr/>
+                </a:tc>
+                <a:tc>
+                  <a:txBody>
+                    <a:bodyPr/>
+                    <a:lstStyle/>
+                    <a:p>
+                      <a:r>
+                        <a:rPr lang="en-US" dirty="0"/>
+                        <a:t>589</a:t>
+                      </a:r>
+                    </a:p>
+                  </a:txBody>
+                  <a:tcPr/>
+                </a:tc>
+                <a:tc>
+                  <a:txBody>
+                    <a:bodyPr/>
+                    <a:lstStyle/>
+                    <a:p>
+                      <a:r>
+                        <a:rPr lang="en-US" dirty="0"/>
+                        <a:t>128 GB</a:t>
+                      </a:r>
+                    </a:p>
+                  </a:txBody>
+                  <a:tcPr/>
+                </a:tc>
+                <a:tc>
+                  <a:txBody>
+                    <a:bodyPr/>
+                    <a:lstStyle/>
+                    <a:p>
+                      <a:r>
+                        <a:rPr lang="en-US" dirty="0"/>
+                        <a:t>Best</a:t>
+                      </a:r>
+                    </a:p>
+                  </a:txBody>
+                  <a:tcPr/>
+                </a:tc>
+                <a:extLst>
+                  <a:ext uri="{0D108BD9-81ED-4DB2-BD59-A6C34878D82A}">
+                    <a16:rowId xmlns:a16="http://schemas.microsoft.com/office/drawing/2014/main" val="1841927070"/>
+                  </a:ext>
+                </a:extLst>
+              </a:tr>
+            </a:tbl>
+          </a:graphicData>
+        </a:graphic>
+      </p:graphicFrame>
+      <p:sp>
+        <p:nvSpPr>
+          <p:cNvPr id="5" name="TextBox 4">
+            <a:extLst>
+              <a:ext uri="{FF2B5EF4-FFF2-40B4-BE49-F238E27FC236}">
+                <a16:creationId xmlns:a16="http://schemas.microsoft.com/office/drawing/2014/main" id="{D886E49B-FFE7-C242-9677-AD61F1B1F0BC}"/>
+              </a:ext>
+            </a:extLst>
+          </p:cNvPr>
+          <p:cNvSpPr txBox="1"/>
+          <p:nvPr/>
+        </p:nvSpPr>
+        <p:spPr>
+          <a:xfrm>
+            <a:off x="755576" y="4811514"/>
+            <a:ext cx="1690463" cy="369332"/>
+          </a:xfrm>
+          <a:prstGeom prst="rect">
+            <a:avLst/>
+          </a:prstGeom>
+          <a:noFill/>
+        </p:spPr>
+        <p:txBody>
+          <a:bodyPr wrap="none" rtlCol="0">
+            <a:spAutoFit/>
+          </a:bodyPr>
+          <a:lstStyle/>
+          <a:p>
+            <a:r>
+              <a:rPr lang="en-US" dirty="0">
+                <a:solidFill>
+                  <a:schemeClr val="accent2">
+                    <a:lumMod val="60000"/>
+                    <a:lumOff val="40000"/>
+                  </a:schemeClr>
+                </a:solidFill>
+              </a:rPr>
+              <a:t>User preference</a:t>
+            </a:r>
+          </a:p>
+        </p:txBody>
+      </p:sp>
+      <p:sp>
+        <p:nvSpPr>
+          <p:cNvPr id="6" name="TextBox 5">
+            <a:extLst>
+              <a:ext uri="{FF2B5EF4-FFF2-40B4-BE49-F238E27FC236}">
+                <a16:creationId xmlns:a16="http://schemas.microsoft.com/office/drawing/2014/main" id="{F3E444CF-DC75-A048-AF33-965079EF6F58}"/>
+              </a:ext>
+            </a:extLst>
+          </p:cNvPr>
+          <p:cNvSpPr txBox="1"/>
+          <p:nvPr/>
+        </p:nvSpPr>
+        <p:spPr>
+          <a:xfrm>
+            <a:off x="2051720" y="2660888"/>
+            <a:ext cx="1837939" cy="369332"/>
+          </a:xfrm>
+          <a:prstGeom prst="rect">
+            <a:avLst/>
+          </a:prstGeom>
+          <a:noFill/>
+        </p:spPr>
+        <p:txBody>
+          <a:bodyPr wrap="none" rtlCol="0">
+            <a:spAutoFit/>
+          </a:bodyPr>
+          <a:lstStyle/>
+          <a:p>
+            <a:r>
+              <a:rPr lang="en-US" dirty="0">
+                <a:solidFill>
+                  <a:schemeClr val="accent2">
+                    <a:lumMod val="60000"/>
+                    <a:lumOff val="40000"/>
+                  </a:schemeClr>
+                </a:solidFill>
+              </a:rPr>
+              <a:t>Prominent aspect</a:t>
+            </a:r>
+          </a:p>
+        </p:txBody>
+      </p:sp>
+      <p:cxnSp>
+        <p:nvCxnSpPr>
+          <p:cNvPr id="8" name="Straight Arrow Connector 7">
+            <a:extLst>
+              <a:ext uri="{FF2B5EF4-FFF2-40B4-BE49-F238E27FC236}">
+                <a16:creationId xmlns:a16="http://schemas.microsoft.com/office/drawing/2014/main" id="{734E1D94-7B63-AF4F-8226-9A148C310E0E}"/>
+              </a:ext>
+            </a:extLst>
+          </p:cNvPr>
+          <p:cNvCxnSpPr>
+            <a:cxnSpLocks/>
+          </p:cNvCxnSpPr>
+          <p:nvPr/>
+        </p:nvCxnSpPr>
+        <p:spPr>
+          <a:xfrm>
+            <a:off x="3563888" y="3032956"/>
+            <a:ext cx="0" cy="1692188"/>
+          </a:xfrm>
+          <a:prstGeom prst="straightConnector1">
+            <a:avLst/>
+          </a:prstGeom>
+          <a:ln w="38100">
+            <a:solidFill>
+              <a:schemeClr val="accent2">
+                <a:lumMod val="60000"/>
+                <a:lumOff val="40000"/>
+              </a:schemeClr>
+            </a:solidFill>
+            <a:tailEnd type="triangle"/>
+          </a:ln>
+          <a:effectLst>
+            <a:glow rad="63500">
+              <a:schemeClr val="accent2">
+                <a:satMod val="175000"/>
+                <a:alpha val="40000"/>
+              </a:schemeClr>
+            </a:glow>
+          </a:effectLst>
+        </p:spPr>
+        <p:style>
+          <a:lnRef idx="1">
+            <a:schemeClr val="accent1"/>
+          </a:lnRef>
+          <a:fillRef idx="0">
+            <a:schemeClr val="accent1"/>
+          </a:fillRef>
+          <a:effectRef idx="0">
+            <a:schemeClr val="accent1"/>
+          </a:effectRef>
+          <a:fontRef idx="minor">
+            <a:schemeClr val="tx1"/>
+          </a:fontRef>
+        </p:style>
+      </p:cxnSp>
+      <p:sp>
+        <p:nvSpPr>
+          <p:cNvPr id="10" name="TextBox 9">
+            <a:extLst>
+              <a:ext uri="{FF2B5EF4-FFF2-40B4-BE49-F238E27FC236}">
+                <a16:creationId xmlns:a16="http://schemas.microsoft.com/office/drawing/2014/main" id="{21BA7F79-0831-EB40-9548-85B64E09AB5C}"/>
+              </a:ext>
+            </a:extLst>
+          </p:cNvPr>
+          <p:cNvSpPr txBox="1"/>
+          <p:nvPr/>
+        </p:nvSpPr>
+        <p:spPr>
+          <a:xfrm>
+            <a:off x="3827680" y="2475170"/>
+            <a:ext cx="2329484" cy="646331"/>
+          </a:xfrm>
+          <a:prstGeom prst="rect">
+            <a:avLst/>
+          </a:prstGeom>
+          <a:noFill/>
+        </p:spPr>
+        <p:txBody>
+          <a:bodyPr wrap="none" rtlCol="0">
+            <a:spAutoFit/>
+          </a:bodyPr>
+          <a:lstStyle/>
+          <a:p>
+            <a:r>
+              <a:rPr lang="en-US" dirty="0">
+                <a:solidFill>
+                  <a:schemeClr val="accent2">
+                    <a:lumMod val="60000"/>
+                    <a:lumOff val="40000"/>
+                  </a:schemeClr>
+                </a:solidFill>
+              </a:rPr>
+              <a:t>Cut-off  </a:t>
+            </a:r>
+          </a:p>
+          <a:p>
+            <a:r>
+              <a:rPr lang="en-US" dirty="0">
+                <a:solidFill>
+                  <a:schemeClr val="accent2">
+                    <a:lumMod val="60000"/>
+                    <a:lumOff val="40000"/>
+                  </a:schemeClr>
+                </a:solidFill>
+              </a:rPr>
+              <a:t>       &lt;700             &gt;64GB</a:t>
+            </a:r>
+          </a:p>
+        </p:txBody>
+      </p:sp>
+    </p:spTree>
+    <p:extLst>
+      <p:ext uri="{BB962C8B-B14F-4D97-AF65-F5344CB8AC3E}">
+        <p14:creationId xmlns:p14="http://schemas.microsoft.com/office/powerpoint/2010/main" val="984841469"/>
+      </p:ext>
+    </p:extLst>
+  </p:cSld>
+  <p:clrMapOvr>
+    <a:masterClrMapping/>
+  </p:clrMapOvr>
+</p:sld>
+</file>
+
+<file path=ppt/slides/slide4.xml><?xml version="1.0" encoding="utf-8"?>
+<p:sld xmlns:a="http://schemas.openxmlformats.org/drawingml/2006/main" xmlns:r="http://schemas.openxmlformats.org/officeDocument/2006/relationships" xmlns:p="http://schemas.openxmlformats.org/presentationml/2006/main">
+  <p:cSld>
+    <p:spTree>
+      <p:nvGrpSpPr>
+        <p:cNvPr id="1" name=""/>
+        <p:cNvGrpSpPr/>
+        <p:nvPr/>
+      </p:nvGrpSpPr>
+      <p:grpSpPr>
+        <a:xfrm>
+          <a:off x="0" y="0"/>
+          <a:ext cx="0" cy="0"/>
+          <a:chOff x="0" y="0"/>
+          <a:chExt cx="0" cy="0"/>
+        </a:xfrm>
+      </p:grpSpPr>
+      <p:sp>
+        <p:nvSpPr>
+          <p:cNvPr id="2" name="Title 1">
+            <a:extLst>
+              <a:ext uri="{FF2B5EF4-FFF2-40B4-BE49-F238E27FC236}">
+                <a16:creationId xmlns:a16="http://schemas.microsoft.com/office/drawing/2014/main" id="{1CF2138D-5A2C-9448-B575-F0D5300C6EAC}"/>
+              </a:ext>
+            </a:extLst>
+          </p:cNvPr>
+          <p:cNvSpPr>
+            <a:spLocks noGrp="1"/>
+          </p:cNvSpPr>
+          <p:nvPr>
+            <p:ph type="title"/>
+          </p:nvPr>
+        </p:nvSpPr>
+        <p:spPr/>
+        <p:txBody>
+          <a:bodyPr/>
+          <a:lstStyle/>
+          <a:p>
+            <a:r>
+              <a:rPr lang="en-US" dirty="0"/>
+              <a:t>Non-Compensatory Rating Models</a:t>
+            </a:r>
+          </a:p>
+        </p:txBody>
+      </p:sp>
+      <p:sp>
+        <p:nvSpPr>
+          <p:cNvPr id="3" name="Content Placeholder 2">
+            <a:extLst>
+              <a:ext uri="{FF2B5EF4-FFF2-40B4-BE49-F238E27FC236}">
+                <a16:creationId xmlns:a16="http://schemas.microsoft.com/office/drawing/2014/main" id="{8F9A457F-C706-814F-820C-4571C2C4B83A}"/>
+              </a:ext>
+            </a:extLst>
+          </p:cNvPr>
+          <p:cNvSpPr>
+            <a:spLocks noGrp="1"/>
+          </p:cNvSpPr>
+          <p:nvPr>
+            <p:ph idx="1"/>
+          </p:nvPr>
+        </p:nvSpPr>
+        <p:spPr/>
+        <p:txBody>
+          <a:bodyPr/>
+          <a:lstStyle/>
+          <a:p>
+            <a:r>
+              <a:rPr lang="en-US" altLang="zh-CN" dirty="0"/>
+              <a:t>From</a:t>
+            </a:r>
+            <a:r>
+              <a:rPr lang="zh-CN" altLang="en-US" dirty="0"/>
+              <a:t> </a:t>
+            </a:r>
+            <a:r>
+              <a:rPr lang="en-US" altLang="zh-CN" dirty="0"/>
+              <a:t>MF</a:t>
+            </a:r>
+          </a:p>
+          <a:p>
+            <a:endParaRPr lang="en-US" altLang="zh-CN" dirty="0"/>
+          </a:p>
+          <a:p>
+            <a:r>
+              <a:rPr lang="en-US" altLang="zh-CN" dirty="0"/>
+              <a:t>To</a:t>
+            </a:r>
+            <a:r>
+              <a:rPr lang="zh-CN" altLang="en-US" dirty="0"/>
+              <a:t> </a:t>
+            </a:r>
+            <a:r>
+              <a:rPr lang="en-US" altLang="zh-CN" dirty="0"/>
+              <a:t>MF-N</a:t>
+            </a:r>
+          </a:p>
+          <a:p>
+            <a:endParaRPr lang="en-US" altLang="zh-CN" dirty="0"/>
+          </a:p>
+          <a:p>
+            <a:r>
+              <a:rPr lang="en-US" altLang="zh-CN" dirty="0"/>
+              <a:t>Variants</a:t>
+            </a:r>
+            <a:r>
+              <a:rPr lang="zh-CN" altLang="en-US" dirty="0"/>
+              <a:t> </a:t>
+            </a:r>
+            <a:endParaRPr lang="en-US" altLang="zh-CN" dirty="0"/>
+          </a:p>
+          <a:p>
+            <a:pPr lvl="1"/>
+            <a:r>
+              <a:rPr lang="en-US" altLang="zh-CN" dirty="0"/>
+              <a:t>AMF-N</a:t>
+            </a:r>
+          </a:p>
+          <a:p>
+            <a:pPr marL="457200" lvl="1" indent="0">
+              <a:buNone/>
+            </a:pPr>
+            <a:endParaRPr lang="en-US" altLang="zh-CN" dirty="0"/>
+          </a:p>
+          <a:p>
+            <a:pPr lvl="1"/>
+            <a:r>
+              <a:rPr lang="en-US" altLang="zh-CN" dirty="0"/>
+              <a:t>LLORMA-N</a:t>
+            </a:r>
+            <a:r>
+              <a:rPr lang="zh-CN" altLang="en-US" dirty="0"/>
+              <a:t> </a:t>
+            </a:r>
+            <a:endParaRPr lang="en-US" dirty="0"/>
+          </a:p>
+        </p:txBody>
+      </p:sp>
+      <p:pic>
+        <p:nvPicPr>
+          <p:cNvPr id="5" name="Picture 4">
+            <a:extLst>
+              <a:ext uri="{FF2B5EF4-FFF2-40B4-BE49-F238E27FC236}">
+                <a16:creationId xmlns:a16="http://schemas.microsoft.com/office/drawing/2014/main" id="{C4177DC1-0395-4442-986A-8173144B5A52}"/>
+              </a:ext>
+            </a:extLst>
+          </p:cNvPr>
+          <p:cNvPicPr>
+            <a:picLocks noChangeAspect="1"/>
+          </p:cNvPicPr>
+          <p:nvPr/>
+        </p:nvPicPr>
+        <p:blipFill>
+          <a:blip r:embed="rId2">
+            <a:extLst>
+              <a:ext uri="{28A0092B-C50C-407E-A947-70E740481C1C}">
+                <a14:useLocalDpi xmlns:a14="http://schemas.microsoft.com/office/drawing/2010/main" val="0"/>
+              </a:ext>
+            </a:extLst>
+          </a:blip>
+          <a:stretch>
+            <a:fillRect/>
+          </a:stretch>
+        </p:blipFill>
+        <p:spPr>
+          <a:xfrm>
+            <a:off x="2495011" y="1508268"/>
+            <a:ext cx="3168352" cy="965193"/>
+          </a:xfrm>
+          <a:prstGeom prst="rect">
+            <a:avLst/>
+          </a:prstGeom>
+        </p:spPr>
+      </p:pic>
+      <p:pic>
+        <p:nvPicPr>
+          <p:cNvPr id="7" name="Picture 6">
+            <a:extLst>
+              <a:ext uri="{FF2B5EF4-FFF2-40B4-BE49-F238E27FC236}">
+                <a16:creationId xmlns:a16="http://schemas.microsoft.com/office/drawing/2014/main" id="{9291E65F-BBF1-F445-BF0E-4D64E446A911}"/>
+              </a:ext>
+            </a:extLst>
+          </p:cNvPr>
+          <p:cNvPicPr>
+            <a:picLocks noChangeAspect="1"/>
+          </p:cNvPicPr>
+          <p:nvPr/>
+        </p:nvPicPr>
+        <p:blipFill>
+          <a:blip r:embed="rId3">
+            <a:extLst>
+              <a:ext uri="{28A0092B-C50C-407E-A947-70E740481C1C}">
+                <a14:useLocalDpi xmlns:a14="http://schemas.microsoft.com/office/drawing/2010/main" val="0"/>
+              </a:ext>
+            </a:extLst>
+          </a:blip>
+          <a:stretch>
+            <a:fillRect/>
+          </a:stretch>
+        </p:blipFill>
+        <p:spPr>
+          <a:xfrm>
+            <a:off x="2495011" y="2686760"/>
+            <a:ext cx="6420389" cy="982449"/>
+          </a:xfrm>
+          <a:prstGeom prst="rect">
+            <a:avLst/>
+          </a:prstGeom>
+        </p:spPr>
+      </p:pic>
+      <p:pic>
+        <p:nvPicPr>
+          <p:cNvPr id="9" name="Picture 8">
+            <a:extLst>
+              <a:ext uri="{FF2B5EF4-FFF2-40B4-BE49-F238E27FC236}">
+                <a16:creationId xmlns:a16="http://schemas.microsoft.com/office/drawing/2014/main" id="{740F16B2-1484-AE41-86CF-C58E8F0282F1}"/>
+              </a:ext>
+            </a:extLst>
+          </p:cNvPr>
+          <p:cNvPicPr>
+            <a:picLocks noChangeAspect="1"/>
+          </p:cNvPicPr>
+          <p:nvPr/>
+        </p:nvPicPr>
+        <p:blipFill>
+          <a:blip r:embed="rId4">
+            <a:extLst>
+              <a:ext uri="{28A0092B-C50C-407E-A947-70E740481C1C}">
+                <a14:useLocalDpi xmlns:a14="http://schemas.microsoft.com/office/drawing/2010/main" val="0"/>
+              </a:ext>
+            </a:extLst>
+          </a:blip>
+          <a:stretch>
+            <a:fillRect/>
+          </a:stretch>
+        </p:blipFill>
+        <p:spPr>
+          <a:xfrm>
+            <a:off x="2987824" y="4365104"/>
+            <a:ext cx="5447820" cy="1299392"/>
+          </a:xfrm>
+          <a:prstGeom prst="rect">
+            <a:avLst/>
+          </a:prstGeom>
+        </p:spPr>
+      </p:pic>
+      <p:pic>
+        <p:nvPicPr>
+          <p:cNvPr id="11" name="Picture 10">
+            <a:extLst>
+              <a:ext uri="{FF2B5EF4-FFF2-40B4-BE49-F238E27FC236}">
+                <a16:creationId xmlns:a16="http://schemas.microsoft.com/office/drawing/2014/main" id="{9745B1DE-CF2E-6C4D-A8F3-B92FC30D3E96}"/>
+              </a:ext>
+            </a:extLst>
+          </p:cNvPr>
+          <p:cNvPicPr>
+            <a:picLocks noChangeAspect="1"/>
+          </p:cNvPicPr>
+          <p:nvPr/>
+        </p:nvPicPr>
+        <p:blipFill>
+          <a:blip r:embed="rId5">
+            <a:extLst>
+              <a:ext uri="{28A0092B-C50C-407E-A947-70E740481C1C}">
+                <a14:useLocalDpi xmlns:a14="http://schemas.microsoft.com/office/drawing/2010/main" val="0"/>
+              </a:ext>
+            </a:extLst>
+          </a:blip>
+          <a:stretch>
+            <a:fillRect/>
+          </a:stretch>
+        </p:blipFill>
+        <p:spPr>
+          <a:xfrm>
+            <a:off x="3059832" y="5738218"/>
+            <a:ext cx="6084168" cy="1044571"/>
+          </a:xfrm>
+          <a:prstGeom prst="rect">
+            <a:avLst/>
+          </a:prstGeom>
+        </p:spPr>
+      </p:pic>
+      <p:sp>
+        <p:nvSpPr>
+          <p:cNvPr id="12" name="TextBox 11">
+            <a:extLst>
+              <a:ext uri="{FF2B5EF4-FFF2-40B4-BE49-F238E27FC236}">
+                <a16:creationId xmlns:a16="http://schemas.microsoft.com/office/drawing/2014/main" id="{4209B4F2-AAA4-1A43-874C-089EF3E797D0}"/>
+              </a:ext>
+            </a:extLst>
+          </p:cNvPr>
+          <p:cNvSpPr txBox="1"/>
+          <p:nvPr/>
+        </p:nvSpPr>
+        <p:spPr>
+          <a:xfrm>
+            <a:off x="5676427" y="2521111"/>
+            <a:ext cx="2940741" cy="369332"/>
+          </a:xfrm>
+          <a:prstGeom prst="rect">
+            <a:avLst/>
+          </a:prstGeom>
+          <a:noFill/>
+        </p:spPr>
+        <p:txBody>
+          <a:bodyPr wrap="none" rtlCol="0">
+            <a:spAutoFit/>
+          </a:bodyPr>
+          <a:lstStyle/>
+          <a:p>
+            <a:r>
+              <a:rPr lang="en-US" altLang="zh-CN" dirty="0">
+                <a:solidFill>
+                  <a:srgbClr val="FF0000"/>
+                </a:solidFill>
+              </a:rPr>
+              <a:t>Strength</a:t>
+            </a:r>
+            <a:r>
+              <a:rPr lang="zh-CN" altLang="en-US" dirty="0">
+                <a:solidFill>
+                  <a:srgbClr val="FF0000"/>
+                </a:solidFill>
+              </a:rPr>
+              <a:t> </a:t>
+            </a:r>
+            <a:r>
+              <a:rPr lang="en-US" altLang="zh-CN" dirty="0">
+                <a:solidFill>
+                  <a:srgbClr val="FF0000"/>
+                </a:solidFill>
+              </a:rPr>
+              <a:t>of</a:t>
+            </a:r>
+            <a:r>
+              <a:rPr lang="zh-CN" altLang="en-US" dirty="0">
+                <a:solidFill>
+                  <a:srgbClr val="FF0000"/>
+                </a:solidFill>
+              </a:rPr>
+              <a:t> </a:t>
+            </a:r>
+            <a:r>
+              <a:rPr lang="en-US" altLang="zh-CN" dirty="0">
+                <a:solidFill>
+                  <a:srgbClr val="FF0000"/>
+                </a:solidFill>
+              </a:rPr>
+              <a:t>prominent</a:t>
+            </a:r>
+            <a:r>
+              <a:rPr lang="zh-CN" altLang="en-US" dirty="0">
+                <a:solidFill>
+                  <a:srgbClr val="FF0000"/>
+                </a:solidFill>
+              </a:rPr>
+              <a:t> </a:t>
+            </a:r>
+            <a:r>
+              <a:rPr lang="en-US" altLang="zh-CN" dirty="0">
+                <a:solidFill>
+                  <a:srgbClr val="FF0000"/>
+                </a:solidFill>
+              </a:rPr>
+              <a:t>aspect</a:t>
+            </a:r>
+            <a:endParaRPr lang="en-US" dirty="0">
+              <a:solidFill>
+                <a:srgbClr val="FF0000"/>
+              </a:solidFill>
+            </a:endParaRPr>
+          </a:p>
+        </p:txBody>
+      </p:sp>
+      <p:sp>
+        <p:nvSpPr>
+          <p:cNvPr id="13" name="Frame 12">
+            <a:extLst>
+              <a:ext uri="{FF2B5EF4-FFF2-40B4-BE49-F238E27FC236}">
+                <a16:creationId xmlns:a16="http://schemas.microsoft.com/office/drawing/2014/main" id="{DA5B5D4D-68BD-7844-81FD-A8AFFDBF6882}"/>
+              </a:ext>
+            </a:extLst>
+          </p:cNvPr>
+          <p:cNvSpPr/>
+          <p:nvPr/>
+        </p:nvSpPr>
+        <p:spPr>
+          <a:xfrm>
+            <a:off x="5796136" y="2996952"/>
+            <a:ext cx="648072" cy="432048"/>
+          </a:xfrm>
+          <a:prstGeom prst="frame">
+            <a:avLst>
+              <a:gd name="adj1" fmla="val 610"/>
+            </a:avLst>
+          </a:prstGeom>
+          <a:ln/>
+        </p:spPr>
+        <p:style>
+          <a:lnRef idx="2">
+            <a:schemeClr val="accent2"/>
+          </a:lnRef>
+          <a:fillRef idx="1">
+            <a:schemeClr val="lt1"/>
+          </a:fillRef>
+          <a:effectRef idx="0">
+            <a:schemeClr val="accent2"/>
+          </a:effectRef>
+          <a:fontRef idx="minor">
+            <a:schemeClr val="dk1"/>
+          </a:fontRef>
+        </p:style>
+        <p:txBody>
+          <a:bodyPr rtlCol="0" anchor="ctr"/>
+          <a:lstStyle/>
+          <a:p>
+            <a:pPr algn="ctr"/>
+            <a:endParaRPr lang="en-US">
+              <a:solidFill>
+                <a:schemeClr val="tx1"/>
+              </a:solidFill>
+            </a:endParaRPr>
+          </a:p>
+        </p:txBody>
+      </p:sp>
+      <p:sp>
+        <p:nvSpPr>
+          <p:cNvPr id="14" name="Frame 13">
+            <a:extLst>
+              <a:ext uri="{FF2B5EF4-FFF2-40B4-BE49-F238E27FC236}">
+                <a16:creationId xmlns:a16="http://schemas.microsoft.com/office/drawing/2014/main" id="{C322319A-DA74-F943-8AED-6440102FA04B}"/>
+              </a:ext>
+            </a:extLst>
+          </p:cNvPr>
+          <p:cNvSpPr/>
+          <p:nvPr/>
+        </p:nvSpPr>
+        <p:spPr>
+          <a:xfrm>
+            <a:off x="7940229" y="3022366"/>
+            <a:ext cx="648072" cy="432048"/>
+          </a:xfrm>
+          <a:prstGeom prst="frame">
+            <a:avLst>
+              <a:gd name="adj1" fmla="val 610"/>
+            </a:avLst>
+          </a:prstGeom>
+          <a:ln/>
+        </p:spPr>
+        <p:style>
+          <a:lnRef idx="2">
+            <a:schemeClr val="accent2"/>
+          </a:lnRef>
+          <a:fillRef idx="1">
+            <a:schemeClr val="lt1"/>
+          </a:fillRef>
+          <a:effectRef idx="0">
+            <a:schemeClr val="accent2"/>
+          </a:effectRef>
+          <a:fontRef idx="minor">
+            <a:schemeClr val="dk1"/>
+          </a:fontRef>
+        </p:style>
+        <p:txBody>
+          <a:bodyPr rtlCol="0" anchor="ctr"/>
+          <a:lstStyle/>
+          <a:p>
+            <a:pPr algn="ctr"/>
+            <a:endParaRPr lang="en-US">
+              <a:solidFill>
+                <a:schemeClr val="tx1"/>
+              </a:solidFill>
+            </a:endParaRPr>
+          </a:p>
+        </p:txBody>
+      </p:sp>
+      <p:sp>
+        <p:nvSpPr>
+          <p:cNvPr id="15" name="TextBox 14">
+            <a:extLst>
+              <a:ext uri="{FF2B5EF4-FFF2-40B4-BE49-F238E27FC236}">
+                <a16:creationId xmlns:a16="http://schemas.microsoft.com/office/drawing/2014/main" id="{9BE24081-EF5D-BE48-8E18-57EBA924DDC1}"/>
+              </a:ext>
+            </a:extLst>
+          </p:cNvPr>
+          <p:cNvSpPr txBox="1"/>
+          <p:nvPr/>
+        </p:nvSpPr>
+        <p:spPr>
+          <a:xfrm>
+            <a:off x="6203259" y="3502126"/>
+            <a:ext cx="2813014" cy="646331"/>
+          </a:xfrm>
+          <a:prstGeom prst="rect">
+            <a:avLst/>
+          </a:prstGeom>
+          <a:noFill/>
+        </p:spPr>
+        <p:txBody>
+          <a:bodyPr wrap="none" rtlCol="0">
+            <a:spAutoFit/>
+          </a:bodyPr>
+          <a:lstStyle/>
+          <a:p>
+            <a:r>
+              <a:rPr lang="zh-CN" altLang="en-US" dirty="0">
+                <a:solidFill>
+                  <a:srgbClr val="FF0000"/>
+                </a:solidFill>
+              </a:rPr>
+              <a:t>                                 </a:t>
+            </a:r>
+            <a:r>
+              <a:rPr lang="en-US" altLang="zh-CN" dirty="0">
+                <a:solidFill>
+                  <a:srgbClr val="FF0000"/>
+                </a:solidFill>
+              </a:rPr>
+              <a:t>Bias</a:t>
+            </a:r>
+            <a:r>
+              <a:rPr lang="zh-CN" altLang="en-US" dirty="0">
+                <a:solidFill>
+                  <a:srgbClr val="FF0000"/>
+                </a:solidFill>
+              </a:rPr>
+              <a:t> </a:t>
+            </a:r>
+            <a:endParaRPr lang="en-US" altLang="zh-CN" dirty="0">
+              <a:solidFill>
+                <a:srgbClr val="FF0000"/>
+              </a:solidFill>
+            </a:endParaRPr>
+          </a:p>
+          <a:p>
+            <a:r>
+              <a:rPr lang="en-US" altLang="zh-CN" dirty="0">
+                <a:solidFill>
+                  <a:srgbClr val="FF0000"/>
+                </a:solidFill>
+              </a:rPr>
+              <a:t>for</a:t>
+            </a:r>
+            <a:r>
+              <a:rPr lang="zh-CN" altLang="en-US" dirty="0">
+                <a:solidFill>
+                  <a:srgbClr val="FF0000"/>
+                </a:solidFill>
+              </a:rPr>
+              <a:t> </a:t>
+            </a:r>
+            <a:r>
+              <a:rPr lang="en-US" altLang="zh-CN" dirty="0">
+                <a:solidFill>
+                  <a:srgbClr val="FF0000"/>
+                </a:solidFill>
+              </a:rPr>
+              <a:t>each</a:t>
+            </a:r>
+            <a:r>
+              <a:rPr lang="zh-CN" altLang="en-US" dirty="0">
+                <a:solidFill>
+                  <a:srgbClr val="FF0000"/>
+                </a:solidFill>
+              </a:rPr>
+              <a:t> </a:t>
+            </a:r>
+            <a:r>
+              <a:rPr lang="en-US" altLang="zh-CN" dirty="0">
+                <a:solidFill>
+                  <a:srgbClr val="FF0000"/>
+                </a:solidFill>
+              </a:rPr>
+              <a:t>user</a:t>
+            </a:r>
+            <a:r>
+              <a:rPr lang="zh-CN" altLang="en-US" dirty="0">
+                <a:solidFill>
+                  <a:srgbClr val="FF0000"/>
+                </a:solidFill>
+              </a:rPr>
+              <a:t> </a:t>
+            </a:r>
+            <a:r>
+              <a:rPr lang="en-US" altLang="zh-CN" dirty="0">
+                <a:solidFill>
+                  <a:srgbClr val="FF0000"/>
+                </a:solidFill>
+              </a:rPr>
+              <a:t>at</a:t>
+            </a:r>
+            <a:r>
+              <a:rPr lang="zh-CN" altLang="en-US" dirty="0">
+                <a:solidFill>
+                  <a:srgbClr val="FF0000"/>
+                </a:solidFill>
+              </a:rPr>
+              <a:t> </a:t>
+            </a:r>
+            <a:r>
+              <a:rPr lang="en-US" altLang="zh-CN" dirty="0">
+                <a:solidFill>
+                  <a:srgbClr val="FF0000"/>
+                </a:solidFill>
+              </a:rPr>
+              <a:t>each</a:t>
+            </a:r>
+            <a:r>
+              <a:rPr lang="zh-CN" altLang="en-US" dirty="0">
+                <a:solidFill>
+                  <a:srgbClr val="FF0000"/>
+                </a:solidFill>
+              </a:rPr>
+              <a:t> </a:t>
+            </a:r>
+            <a:r>
+              <a:rPr lang="en-US" altLang="zh-CN" dirty="0">
+                <a:solidFill>
+                  <a:srgbClr val="FF0000"/>
+                </a:solidFill>
+              </a:rPr>
+              <a:t>aspect</a:t>
+            </a:r>
+            <a:endParaRPr lang="en-US" dirty="0">
+              <a:solidFill>
+                <a:srgbClr val="FF0000"/>
+              </a:solidFill>
+            </a:endParaRPr>
+          </a:p>
+        </p:txBody>
+      </p:sp>
+    </p:spTree>
+    <p:extLst>
+      <p:ext uri="{BB962C8B-B14F-4D97-AF65-F5344CB8AC3E}">
+        <p14:creationId xmlns:p14="http://schemas.microsoft.com/office/powerpoint/2010/main" val="574406719"/>
+      </p:ext>
+    </p:extLst>
+  </p:cSld>
+  <p:clrMapOvr>
+    <a:masterClrMapping/>
+  </p:clrMapOvr>
+</p:sld>
+</file>
+
+<file path=ppt/slides/slide5.xml><?xml version="1.0" encoding="utf-8"?>
+<p:sld xmlns:a="http://schemas.openxmlformats.org/drawingml/2006/main" xmlns:r="http://schemas.openxmlformats.org/officeDocument/2006/relationships" xmlns:p="http://schemas.openxmlformats.org/presentationml/2006/main">
+  <p:cSld>
+    <p:spTree>
+      <p:nvGrpSpPr>
+        <p:cNvPr id="1" name=""/>
+        <p:cNvGrpSpPr/>
+        <p:nvPr/>
+      </p:nvGrpSpPr>
+      <p:grpSpPr>
+        <a:xfrm>
+          <a:off x="0" y="0"/>
+          <a:ext cx="0" cy="0"/>
+          <a:chOff x="0" y="0"/>
+          <a:chExt cx="0" cy="0"/>
+        </a:xfrm>
+      </p:grpSpPr>
+      <p:sp>
+        <p:nvSpPr>
+          <p:cNvPr id="2" name="Title 1">
+            <a:extLst>
+              <a:ext uri="{FF2B5EF4-FFF2-40B4-BE49-F238E27FC236}">
+                <a16:creationId xmlns:a16="http://schemas.microsoft.com/office/drawing/2014/main" id="{4C752F7E-D5AE-CD4C-AF78-6898717446DF}"/>
+              </a:ext>
+            </a:extLst>
+          </p:cNvPr>
+          <p:cNvSpPr>
+            <a:spLocks noGrp="1"/>
+          </p:cNvSpPr>
+          <p:nvPr>
+            <p:ph type="title"/>
+          </p:nvPr>
+        </p:nvSpPr>
+        <p:spPr/>
+        <p:txBody>
+          <a:bodyPr>
+            <a:normAutofit fontScale="90000"/>
+          </a:bodyPr>
+          <a:lstStyle/>
+          <a:p>
+            <a:r>
+              <a:rPr lang="en-US" dirty="0"/>
+              <a:t>Non-Compensatory Ranking Models</a:t>
+            </a:r>
+          </a:p>
+        </p:txBody>
+      </p:sp>
+      <p:sp>
+        <p:nvSpPr>
+          <p:cNvPr id="3" name="Content Placeholder 2">
+            <a:extLst>
+              <a:ext uri="{FF2B5EF4-FFF2-40B4-BE49-F238E27FC236}">
+                <a16:creationId xmlns:a16="http://schemas.microsoft.com/office/drawing/2014/main" id="{08177FD4-F241-9F43-8F83-EC5670A9928F}"/>
+              </a:ext>
+            </a:extLst>
+          </p:cNvPr>
+          <p:cNvSpPr>
+            <a:spLocks noGrp="1"/>
+          </p:cNvSpPr>
+          <p:nvPr>
+            <p:ph idx="1"/>
+          </p:nvPr>
+        </p:nvSpPr>
+        <p:spPr/>
+        <p:txBody>
+          <a:bodyPr/>
+          <a:lstStyle/>
+          <a:p>
+            <a:r>
+              <a:rPr lang="en-US" altLang="zh-CN" dirty="0"/>
+              <a:t>Thurstone</a:t>
+            </a:r>
+            <a:r>
+              <a:rPr lang="zh-CN" altLang="en-US" dirty="0"/>
+              <a:t> </a:t>
+            </a:r>
+            <a:r>
+              <a:rPr lang="en-US" altLang="zh-CN" dirty="0"/>
+              <a:t>Model</a:t>
+            </a:r>
+          </a:p>
+          <a:p>
+            <a:endParaRPr lang="en-US" dirty="0"/>
+          </a:p>
+          <a:p>
+            <a:pPr marL="0" indent="0">
+              <a:buNone/>
+            </a:pPr>
+            <a:endParaRPr lang="en-US" dirty="0"/>
+          </a:p>
+          <a:p>
+            <a:r>
+              <a:rPr lang="en-US" altLang="zh-CN" dirty="0"/>
+              <a:t>Bradley-Terry</a:t>
+            </a:r>
+            <a:r>
+              <a:rPr lang="zh-CN" altLang="en-US" dirty="0"/>
+              <a:t> </a:t>
+            </a:r>
+            <a:r>
+              <a:rPr lang="en-US" altLang="zh-CN" dirty="0"/>
+              <a:t>Model</a:t>
+            </a:r>
+            <a:endParaRPr lang="en-US" dirty="0"/>
+          </a:p>
+        </p:txBody>
+      </p:sp>
+      <p:pic>
+        <p:nvPicPr>
+          <p:cNvPr id="5" name="Picture 4">
+            <a:extLst>
+              <a:ext uri="{FF2B5EF4-FFF2-40B4-BE49-F238E27FC236}">
+                <a16:creationId xmlns:a16="http://schemas.microsoft.com/office/drawing/2014/main" id="{108FF99B-CEF7-D34C-8F74-18D1C823F33A}"/>
+              </a:ext>
+            </a:extLst>
+          </p:cNvPr>
+          <p:cNvPicPr>
+            <a:picLocks noChangeAspect="1"/>
+          </p:cNvPicPr>
+          <p:nvPr/>
+        </p:nvPicPr>
+        <p:blipFill>
+          <a:blip r:embed="rId3">
+            <a:extLst>
+              <a:ext uri="{28A0092B-C50C-407E-A947-70E740481C1C}">
+                <a14:useLocalDpi xmlns:a14="http://schemas.microsoft.com/office/drawing/2010/main" val="0"/>
+              </a:ext>
+            </a:extLst>
+          </a:blip>
+          <a:stretch>
+            <a:fillRect/>
+          </a:stretch>
+        </p:blipFill>
+        <p:spPr>
+          <a:xfrm>
+            <a:off x="1331640" y="2276872"/>
+            <a:ext cx="7099300" cy="1041400"/>
+          </a:xfrm>
+          <a:prstGeom prst="rect">
+            <a:avLst/>
+          </a:prstGeom>
+        </p:spPr>
+      </p:pic>
+      <p:pic>
+        <p:nvPicPr>
+          <p:cNvPr id="7" name="Picture 6">
+            <a:extLst>
+              <a:ext uri="{FF2B5EF4-FFF2-40B4-BE49-F238E27FC236}">
+                <a16:creationId xmlns:a16="http://schemas.microsoft.com/office/drawing/2014/main" id="{0321AE1B-4381-DE49-A922-861F21311FC1}"/>
+              </a:ext>
+            </a:extLst>
+          </p:cNvPr>
+          <p:cNvPicPr>
+            <a:picLocks noChangeAspect="1"/>
+          </p:cNvPicPr>
+          <p:nvPr/>
+        </p:nvPicPr>
+        <p:blipFill>
+          <a:blip r:embed="rId4">
+            <a:extLst>
+              <a:ext uri="{28A0092B-C50C-407E-A947-70E740481C1C}">
+                <a14:useLocalDpi xmlns:a14="http://schemas.microsoft.com/office/drawing/2010/main" val="0"/>
+              </a:ext>
+            </a:extLst>
+          </a:blip>
+          <a:stretch>
+            <a:fillRect/>
+          </a:stretch>
+        </p:blipFill>
+        <p:spPr>
+          <a:xfrm>
+            <a:off x="680637" y="4071021"/>
+            <a:ext cx="8191500" cy="1358900"/>
+          </a:xfrm>
+          <a:prstGeom prst="rect">
+            <a:avLst/>
+          </a:prstGeom>
+        </p:spPr>
+      </p:pic>
+      <p:sp>
+        <p:nvSpPr>
+          <p:cNvPr id="8" name="TextBox 7">
+            <a:extLst>
+              <a:ext uri="{FF2B5EF4-FFF2-40B4-BE49-F238E27FC236}">
+                <a16:creationId xmlns:a16="http://schemas.microsoft.com/office/drawing/2014/main" id="{7674E6BB-F61E-5949-80FB-164C08FC0C69}"/>
+              </a:ext>
+            </a:extLst>
+          </p:cNvPr>
+          <p:cNvSpPr txBox="1"/>
+          <p:nvPr/>
+        </p:nvSpPr>
+        <p:spPr>
+          <a:xfrm>
+            <a:off x="3491880" y="3875255"/>
+            <a:ext cx="4074320" cy="369332"/>
+          </a:xfrm>
+          <a:prstGeom prst="rect">
+            <a:avLst/>
+          </a:prstGeom>
+          <a:noFill/>
+        </p:spPr>
+        <p:txBody>
+          <a:bodyPr wrap="none" rtlCol="0">
+            <a:spAutoFit/>
+          </a:bodyPr>
+          <a:lstStyle/>
+          <a:p>
+            <a:r>
+              <a:rPr lang="en-US" altLang="zh-CN" dirty="0">
+                <a:solidFill>
+                  <a:srgbClr val="FF0000"/>
+                </a:solidFill>
+              </a:rPr>
+              <a:t>On</a:t>
+            </a:r>
+            <a:r>
+              <a:rPr lang="zh-CN" altLang="en-US" dirty="0">
+                <a:solidFill>
+                  <a:srgbClr val="FF0000"/>
+                </a:solidFill>
+              </a:rPr>
+              <a:t> </a:t>
+            </a:r>
+            <a:r>
+              <a:rPr lang="en-US" altLang="zh-CN" dirty="0">
+                <a:solidFill>
+                  <a:srgbClr val="FF0000"/>
+                </a:solidFill>
+              </a:rPr>
+              <a:t>prominent</a:t>
+            </a:r>
+            <a:r>
+              <a:rPr lang="zh-CN" altLang="en-US" dirty="0">
+                <a:solidFill>
+                  <a:srgbClr val="FF0000"/>
+                </a:solidFill>
+              </a:rPr>
+              <a:t> </a:t>
+            </a:r>
+            <a:r>
+              <a:rPr lang="en-US" altLang="zh-CN" dirty="0">
+                <a:solidFill>
+                  <a:srgbClr val="FF0000"/>
+                </a:solidFill>
+              </a:rPr>
+              <a:t>aspect,</a:t>
+            </a:r>
+            <a:r>
+              <a:rPr lang="zh-CN" altLang="en-US" dirty="0">
+                <a:solidFill>
+                  <a:srgbClr val="FF0000"/>
+                </a:solidFill>
+              </a:rPr>
+              <a:t> </a:t>
+            </a:r>
+            <a:r>
+              <a:rPr lang="en-US" altLang="zh-CN" dirty="0">
+                <a:solidFill>
+                  <a:srgbClr val="FF0000"/>
+                </a:solidFill>
+              </a:rPr>
+              <a:t>significantly</a:t>
+            </a:r>
+            <a:r>
+              <a:rPr lang="zh-CN" altLang="en-US" dirty="0">
+                <a:solidFill>
+                  <a:srgbClr val="FF0000"/>
+                </a:solidFill>
+              </a:rPr>
+              <a:t> </a:t>
+            </a:r>
+            <a:r>
+              <a:rPr lang="en-US" altLang="zh-CN" dirty="0">
+                <a:solidFill>
+                  <a:srgbClr val="FF0000"/>
+                </a:solidFill>
+              </a:rPr>
+              <a:t>better</a:t>
+            </a:r>
+            <a:r>
+              <a:rPr lang="zh-CN" altLang="en-US" dirty="0">
+                <a:solidFill>
+                  <a:srgbClr val="FF0000"/>
+                </a:solidFill>
+              </a:rPr>
+              <a:t> </a:t>
+            </a:r>
+            <a:endParaRPr lang="en-US" dirty="0">
+              <a:solidFill>
+                <a:srgbClr val="FF0000"/>
+              </a:solidFill>
+            </a:endParaRPr>
+          </a:p>
+        </p:txBody>
+      </p:sp>
+      <p:sp>
+        <p:nvSpPr>
+          <p:cNvPr id="9" name="Frame 8">
+            <a:extLst>
+              <a:ext uri="{FF2B5EF4-FFF2-40B4-BE49-F238E27FC236}">
+                <a16:creationId xmlns:a16="http://schemas.microsoft.com/office/drawing/2014/main" id="{FBC792E2-8575-2545-9B7F-9679159BB149}"/>
+              </a:ext>
+            </a:extLst>
+          </p:cNvPr>
+          <p:cNvSpPr/>
+          <p:nvPr/>
+        </p:nvSpPr>
+        <p:spPr>
+          <a:xfrm>
+            <a:off x="4247964" y="4335868"/>
+            <a:ext cx="1836204" cy="921931"/>
+          </a:xfrm>
+          <a:prstGeom prst="frame">
+            <a:avLst>
+              <a:gd name="adj1" fmla="val 610"/>
+            </a:avLst>
+          </a:prstGeom>
+          <a:ln/>
+        </p:spPr>
+        <p:style>
+          <a:lnRef idx="2">
+            <a:schemeClr val="accent2"/>
+          </a:lnRef>
+          <a:fillRef idx="1">
+            <a:schemeClr val="lt1"/>
+          </a:fillRef>
+          <a:effectRef idx="0">
+            <a:schemeClr val="accent2"/>
+          </a:effectRef>
+          <a:fontRef idx="minor">
+            <a:schemeClr val="dk1"/>
+          </a:fontRef>
+        </p:style>
+        <p:txBody>
+          <a:bodyPr rtlCol="0" anchor="ctr"/>
+          <a:lstStyle/>
+          <a:p>
+            <a:pPr algn="ctr"/>
+            <a:endParaRPr lang="en-US">
+              <a:solidFill>
+                <a:schemeClr val="tx1"/>
+              </a:solidFill>
+            </a:endParaRPr>
+          </a:p>
+        </p:txBody>
+      </p:sp>
+      <p:sp>
+        <p:nvSpPr>
+          <p:cNvPr id="10" name="Frame 9">
+            <a:extLst>
+              <a:ext uri="{FF2B5EF4-FFF2-40B4-BE49-F238E27FC236}">
+                <a16:creationId xmlns:a16="http://schemas.microsoft.com/office/drawing/2014/main" id="{FC16D053-67EB-1745-AEF1-73ED9F1DD384}"/>
+              </a:ext>
+            </a:extLst>
+          </p:cNvPr>
+          <p:cNvSpPr/>
+          <p:nvPr/>
+        </p:nvSpPr>
+        <p:spPr>
+          <a:xfrm>
+            <a:off x="6943265" y="4335868"/>
+            <a:ext cx="1836204" cy="921931"/>
+          </a:xfrm>
+          <a:prstGeom prst="frame">
+            <a:avLst>
+              <a:gd name="adj1" fmla="val 610"/>
+            </a:avLst>
+          </a:prstGeom>
+          <a:ln/>
+        </p:spPr>
+        <p:style>
+          <a:lnRef idx="2">
+            <a:schemeClr val="accent2"/>
+          </a:lnRef>
+          <a:fillRef idx="1">
+            <a:schemeClr val="lt1"/>
+          </a:fillRef>
+          <a:effectRef idx="0">
+            <a:schemeClr val="accent2"/>
+          </a:effectRef>
+          <a:fontRef idx="minor">
+            <a:schemeClr val="dk1"/>
+          </a:fontRef>
+        </p:style>
+        <p:txBody>
+          <a:bodyPr rtlCol="0" anchor="ctr"/>
+          <a:lstStyle/>
+          <a:p>
+            <a:pPr algn="ctr"/>
+            <a:endParaRPr lang="en-US">
+              <a:solidFill>
+                <a:schemeClr val="tx1"/>
+              </a:solidFill>
+            </a:endParaRPr>
+          </a:p>
+        </p:txBody>
+      </p:sp>
+      <p:sp>
+        <p:nvSpPr>
+          <p:cNvPr id="11" name="TextBox 10">
+            <a:extLst>
+              <a:ext uri="{FF2B5EF4-FFF2-40B4-BE49-F238E27FC236}">
+                <a16:creationId xmlns:a16="http://schemas.microsoft.com/office/drawing/2014/main" id="{A8B5283F-CF53-7E4C-820F-0A6ACA12804A}"/>
+              </a:ext>
+            </a:extLst>
+          </p:cNvPr>
+          <p:cNvSpPr txBox="1"/>
+          <p:nvPr/>
+        </p:nvSpPr>
+        <p:spPr>
+          <a:xfrm>
+            <a:off x="6339450" y="5429921"/>
+            <a:ext cx="2804550" cy="646331"/>
+          </a:xfrm>
+          <a:prstGeom prst="rect">
+            <a:avLst/>
+          </a:prstGeom>
+          <a:noFill/>
+        </p:spPr>
+        <p:txBody>
+          <a:bodyPr wrap="none" rtlCol="0">
+            <a:spAutoFit/>
+          </a:bodyPr>
+          <a:lstStyle/>
+          <a:p>
+            <a:r>
+              <a:rPr lang="en-US" altLang="zh-CN" dirty="0">
+                <a:solidFill>
+                  <a:srgbClr val="FF0000"/>
+                </a:solidFill>
+              </a:rPr>
+              <a:t>On</a:t>
+            </a:r>
+            <a:r>
+              <a:rPr lang="zh-CN" altLang="en-US" dirty="0">
+                <a:solidFill>
+                  <a:srgbClr val="FF0000"/>
+                </a:solidFill>
+              </a:rPr>
+              <a:t> </a:t>
+            </a:r>
+            <a:r>
+              <a:rPr lang="en-US" altLang="zh-CN" dirty="0">
+                <a:solidFill>
+                  <a:srgbClr val="FF0000"/>
+                </a:solidFill>
+              </a:rPr>
+              <a:t>non-prominent</a:t>
+            </a:r>
+            <a:r>
+              <a:rPr lang="zh-CN" altLang="en-US" dirty="0">
+                <a:solidFill>
+                  <a:srgbClr val="FF0000"/>
+                </a:solidFill>
+              </a:rPr>
+              <a:t> </a:t>
+            </a:r>
+            <a:r>
+              <a:rPr lang="en-US" altLang="zh-CN" dirty="0">
+                <a:solidFill>
+                  <a:srgbClr val="FF0000"/>
+                </a:solidFill>
+              </a:rPr>
+              <a:t>aspects,</a:t>
+            </a:r>
+            <a:r>
+              <a:rPr lang="zh-CN" altLang="en-US" dirty="0">
+                <a:solidFill>
+                  <a:srgbClr val="FF0000"/>
+                </a:solidFill>
+              </a:rPr>
+              <a:t> </a:t>
+            </a:r>
+            <a:endParaRPr lang="en-US" altLang="zh-CN" dirty="0">
+              <a:solidFill>
+                <a:srgbClr val="FF0000"/>
+              </a:solidFill>
+            </a:endParaRPr>
+          </a:p>
+          <a:p>
+            <a:r>
+              <a:rPr lang="en-US" altLang="zh-CN" dirty="0">
+                <a:solidFill>
+                  <a:srgbClr val="FF0000"/>
+                </a:solidFill>
+              </a:rPr>
+              <a:t>not</a:t>
+            </a:r>
+            <a:r>
+              <a:rPr lang="zh-CN" altLang="en-US" dirty="0">
+                <a:solidFill>
+                  <a:srgbClr val="FF0000"/>
+                </a:solidFill>
+              </a:rPr>
+              <a:t> </a:t>
+            </a:r>
+            <a:r>
+              <a:rPr lang="en-US" altLang="zh-CN" dirty="0">
+                <a:solidFill>
+                  <a:srgbClr val="FF0000"/>
+                </a:solidFill>
+              </a:rPr>
+              <a:t>too</a:t>
+            </a:r>
+            <a:r>
+              <a:rPr lang="zh-CN" altLang="en-US" dirty="0">
+                <a:solidFill>
+                  <a:srgbClr val="FF0000"/>
+                </a:solidFill>
+              </a:rPr>
+              <a:t> </a:t>
+            </a:r>
+            <a:r>
+              <a:rPr lang="en-US" altLang="zh-CN" dirty="0">
+                <a:solidFill>
+                  <a:srgbClr val="FF0000"/>
+                </a:solidFill>
+              </a:rPr>
+              <a:t>bad</a:t>
+            </a:r>
+            <a:r>
+              <a:rPr lang="zh-CN" altLang="en-US" dirty="0">
+                <a:solidFill>
+                  <a:srgbClr val="FF0000"/>
+                </a:solidFill>
+              </a:rPr>
+              <a:t> </a:t>
+            </a:r>
+            <a:endParaRPr lang="en-US" dirty="0">
+              <a:solidFill>
+                <a:srgbClr val="FF0000"/>
+              </a:solidFill>
+            </a:endParaRPr>
+          </a:p>
+        </p:txBody>
+      </p:sp>
+    </p:spTree>
+    <p:extLst>
+      <p:ext uri="{BB962C8B-B14F-4D97-AF65-F5344CB8AC3E}">
+        <p14:creationId xmlns:p14="http://schemas.microsoft.com/office/powerpoint/2010/main" val="3119570926"/>
+      </p:ext>
+    </p:extLst>
+  </p:cSld>
+  <p:clrMapOvr>
+    <a:masterClrMapping/>
+  </p:clrMapOvr>
+</p:sld>
+</file>
+
+<file path=ppt/slides/slide6.xml><?xml version="1.0" encoding="utf-8"?>
+<p:sld xmlns:a="http://schemas.openxmlformats.org/drawingml/2006/main" xmlns:r="http://schemas.openxmlformats.org/officeDocument/2006/relationships" xmlns:p="http://schemas.openxmlformats.org/presentationml/2006/main">
+  <p:cSld>
+    <p:spTree>
+      <p:nvGrpSpPr>
+        <p:cNvPr id="1" name=""/>
+        <p:cNvGrpSpPr/>
+        <p:nvPr/>
+      </p:nvGrpSpPr>
+      <p:grpSpPr>
+        <a:xfrm>
+          <a:off x="0" y="0"/>
+          <a:ext cx="0" cy="0"/>
+          <a:chOff x="0" y="0"/>
+          <a:chExt cx="0" cy="0"/>
+        </a:xfrm>
+      </p:grpSpPr>
+      <p:sp>
+        <p:nvSpPr>
+          <p:cNvPr id="2" name="Title 1">
+            <a:extLst>
+              <a:ext uri="{FF2B5EF4-FFF2-40B4-BE49-F238E27FC236}">
+                <a16:creationId xmlns:a16="http://schemas.microsoft.com/office/drawing/2014/main" id="{6227631D-5FD9-784B-B81D-767D06E0A76A}"/>
+              </a:ext>
+            </a:extLst>
+          </p:cNvPr>
+          <p:cNvSpPr>
+            <a:spLocks noGrp="1"/>
+          </p:cNvSpPr>
+          <p:nvPr>
+            <p:ph type="title"/>
+          </p:nvPr>
+        </p:nvSpPr>
+        <p:spPr/>
+        <p:txBody>
+          <a:bodyPr/>
+          <a:lstStyle/>
+          <a:p>
+            <a:r>
+              <a:rPr lang="en-US" dirty="0"/>
+              <a:t>Results (rating prediction)</a:t>
+            </a:r>
+          </a:p>
+        </p:txBody>
+      </p:sp>
+      <p:sp>
+        <p:nvSpPr>
+          <p:cNvPr id="3" name="Content Placeholder 2">
+            <a:extLst>
+              <a:ext uri="{FF2B5EF4-FFF2-40B4-BE49-F238E27FC236}">
+                <a16:creationId xmlns:a16="http://schemas.microsoft.com/office/drawing/2014/main" id="{3713A678-43F6-2648-951E-9C19AD83893B}"/>
+              </a:ext>
+            </a:extLst>
+          </p:cNvPr>
+          <p:cNvSpPr>
+            <a:spLocks noGrp="1"/>
+          </p:cNvSpPr>
+          <p:nvPr>
+            <p:ph idx="1"/>
+          </p:nvPr>
+        </p:nvSpPr>
+        <p:spPr>
+          <a:xfrm>
+            <a:off x="483311" y="1655589"/>
+            <a:ext cx="8229600" cy="4525963"/>
+          </a:xfrm>
+        </p:spPr>
+        <p:txBody>
+          <a:bodyPr/>
+          <a:lstStyle/>
+          <a:p>
+            <a:r>
+              <a:rPr lang="en-US" altLang="zh-CN" dirty="0"/>
+              <a:t>b</a:t>
+            </a:r>
+            <a:r>
+              <a:rPr lang="zh-CN" altLang="en-US" dirty="0"/>
+              <a:t> </a:t>
+            </a:r>
+            <a:r>
+              <a:rPr lang="en-US" altLang="zh-CN" dirty="0"/>
+              <a:t>not</a:t>
+            </a:r>
+            <a:r>
+              <a:rPr lang="zh-CN" altLang="en-US" dirty="0"/>
+              <a:t> </a:t>
+            </a:r>
+            <a:r>
+              <a:rPr lang="en-US" altLang="zh-CN" dirty="0"/>
+              <a:t>activated</a:t>
+            </a:r>
+          </a:p>
+          <a:p>
+            <a:endParaRPr lang="en-US" dirty="0"/>
+          </a:p>
+          <a:p>
+            <a:endParaRPr lang="en-US" dirty="0"/>
+          </a:p>
+          <a:p>
+            <a:endParaRPr lang="en-US" dirty="0"/>
+          </a:p>
+          <a:p>
+            <a:endParaRPr lang="en-US" dirty="0"/>
+          </a:p>
+          <a:p>
+            <a:r>
+              <a:rPr lang="en-US" altLang="zh-CN" dirty="0"/>
+              <a:t>b</a:t>
+            </a:r>
+            <a:r>
+              <a:rPr lang="zh-CN" altLang="en-US" dirty="0"/>
+              <a:t> </a:t>
+            </a:r>
+            <a:r>
+              <a:rPr lang="en-US" altLang="zh-CN" dirty="0"/>
+              <a:t>activated</a:t>
+            </a:r>
+            <a:endParaRPr lang="en-US" dirty="0"/>
+          </a:p>
+        </p:txBody>
+      </p:sp>
+      <p:pic>
+        <p:nvPicPr>
+          <p:cNvPr id="5" name="Picture 4">
+            <a:extLst>
+              <a:ext uri="{FF2B5EF4-FFF2-40B4-BE49-F238E27FC236}">
+                <a16:creationId xmlns:a16="http://schemas.microsoft.com/office/drawing/2014/main" id="{8ED7F214-3462-594C-8E2B-6AEA233759E4}"/>
+              </a:ext>
+            </a:extLst>
+          </p:cNvPr>
+          <p:cNvPicPr>
+            <a:picLocks noChangeAspect="1"/>
+          </p:cNvPicPr>
+          <p:nvPr/>
+        </p:nvPicPr>
+        <p:blipFill>
+          <a:blip r:embed="rId2">
+            <a:extLst>
+              <a:ext uri="{28A0092B-C50C-407E-A947-70E740481C1C}">
+                <a14:useLocalDpi xmlns:a14="http://schemas.microsoft.com/office/drawing/2010/main" val="0"/>
+              </a:ext>
+            </a:extLst>
+          </a:blip>
+          <a:stretch>
+            <a:fillRect/>
+          </a:stretch>
+        </p:blipFill>
+        <p:spPr>
+          <a:xfrm>
+            <a:off x="3596044" y="1102432"/>
+            <a:ext cx="5296436" cy="4559743"/>
+          </a:xfrm>
+          <a:prstGeom prst="rect">
+            <a:avLst/>
+          </a:prstGeom>
+        </p:spPr>
+      </p:pic>
+      <p:pic>
+        <p:nvPicPr>
+          <p:cNvPr id="7" name="Picture 6">
+            <a:extLst>
+              <a:ext uri="{FF2B5EF4-FFF2-40B4-BE49-F238E27FC236}">
+                <a16:creationId xmlns:a16="http://schemas.microsoft.com/office/drawing/2014/main" id="{C2BA0A31-0EEB-EA41-9E01-A54FF81E631E}"/>
+              </a:ext>
+            </a:extLst>
+          </p:cNvPr>
+          <p:cNvPicPr>
+            <a:picLocks noChangeAspect="1"/>
+          </p:cNvPicPr>
+          <p:nvPr/>
+        </p:nvPicPr>
+        <p:blipFill>
+          <a:blip r:embed="rId3">
+            <a:extLst>
+              <a:ext uri="{28A0092B-C50C-407E-A947-70E740481C1C}">
+                <a14:useLocalDpi xmlns:a14="http://schemas.microsoft.com/office/drawing/2010/main" val="0"/>
+              </a:ext>
+            </a:extLst>
+          </a:blip>
+          <a:stretch>
+            <a:fillRect/>
+          </a:stretch>
+        </p:blipFill>
+        <p:spPr>
+          <a:xfrm>
+            <a:off x="755576" y="5585419"/>
+            <a:ext cx="6962390" cy="1272581"/>
+          </a:xfrm>
+          <a:prstGeom prst="rect">
+            <a:avLst/>
+          </a:prstGeom>
+        </p:spPr>
+      </p:pic>
+    </p:spTree>
+    <p:extLst>
+      <p:ext uri="{BB962C8B-B14F-4D97-AF65-F5344CB8AC3E}">
+        <p14:creationId xmlns:p14="http://schemas.microsoft.com/office/powerpoint/2010/main" val="3877393857"/>
+      </p:ext>
+    </p:extLst>
+  </p:cSld>
+  <p:clrMapOvr>
+    <a:masterClrMapping/>
+  </p:clrMapOvr>
+</p:sld>
+</file>
+
+<file path=ppt/slides/slide7.xml><?xml version="1.0" encoding="utf-8"?>
+<p:sld xmlns:a="http://schemas.openxmlformats.org/drawingml/2006/main" xmlns:r="http://schemas.openxmlformats.org/officeDocument/2006/relationships" xmlns:p="http://schemas.openxmlformats.org/presentationml/2006/main">
+  <p:cSld>
+    <p:spTree>
+      <p:nvGrpSpPr>
+        <p:cNvPr id="1" name=""/>
+        <p:cNvGrpSpPr/>
+        <p:nvPr/>
+      </p:nvGrpSpPr>
+      <p:grpSpPr>
+        <a:xfrm>
+          <a:off x="0" y="0"/>
+          <a:ext cx="0" cy="0"/>
+          <a:chOff x="0" y="0"/>
+          <a:chExt cx="0" cy="0"/>
+        </a:xfrm>
+      </p:grpSpPr>
+      <p:sp>
+        <p:nvSpPr>
+          <p:cNvPr id="2" name="Title 1">
+            <a:extLst>
+              <a:ext uri="{FF2B5EF4-FFF2-40B4-BE49-F238E27FC236}">
+                <a16:creationId xmlns:a16="http://schemas.microsoft.com/office/drawing/2014/main" id="{2F6A993C-BF81-EF4B-85DF-AD646E7B2406}"/>
+              </a:ext>
+            </a:extLst>
+          </p:cNvPr>
+          <p:cNvSpPr>
+            <a:spLocks noGrp="1"/>
+          </p:cNvSpPr>
+          <p:nvPr>
+            <p:ph type="title"/>
+          </p:nvPr>
+        </p:nvSpPr>
+        <p:spPr/>
+        <p:txBody>
+          <a:bodyPr/>
+          <a:lstStyle/>
+          <a:p>
+            <a:r>
+              <a:rPr lang="en-US" dirty="0"/>
+              <a:t>Results (ranking explicit feedback)</a:t>
+            </a:r>
+          </a:p>
+        </p:txBody>
+      </p:sp>
+      <p:pic>
+        <p:nvPicPr>
+          <p:cNvPr id="5" name="Content Placeholder 4">
+            <a:extLst>
+              <a:ext uri="{FF2B5EF4-FFF2-40B4-BE49-F238E27FC236}">
+                <a16:creationId xmlns:a16="http://schemas.microsoft.com/office/drawing/2014/main" id="{51483A6D-53BE-CE49-A365-CBDBE5E9A304}"/>
+              </a:ext>
+            </a:extLst>
+          </p:cNvPr>
+          <p:cNvPicPr>
+            <a:picLocks noGrp="1" noChangeAspect="1"/>
+          </p:cNvPicPr>
+          <p:nvPr>
+            <p:ph idx="1"/>
+          </p:nvPr>
+        </p:nvPicPr>
+        <p:blipFill>
+          <a:blip r:embed="rId2">
+            <a:extLst>
+              <a:ext uri="{28A0092B-C50C-407E-A947-70E740481C1C}">
+                <a14:useLocalDpi xmlns:a14="http://schemas.microsoft.com/office/drawing/2010/main" val="0"/>
+              </a:ext>
+            </a:extLst>
+          </a:blip>
+          <a:stretch>
+            <a:fillRect/>
+          </a:stretch>
+        </p:blipFill>
+        <p:spPr>
+          <a:xfrm>
+            <a:off x="2515019" y="1484784"/>
+            <a:ext cx="4113961" cy="4525963"/>
+          </a:xfrm>
+        </p:spPr>
+      </p:pic>
+    </p:spTree>
+    <p:extLst>
+      <p:ext uri="{BB962C8B-B14F-4D97-AF65-F5344CB8AC3E}">
+        <p14:creationId xmlns:p14="http://schemas.microsoft.com/office/powerpoint/2010/main" val="2574008640"/>
+      </p:ext>
+    </p:extLst>
+  </p:cSld>
+  <p:clrMapOvr>
+    <a:masterClrMapping/>
+  </p:clrMapOvr>
+</p:sld>
+</file>
+
+<file path=ppt/slides/slide8.xml><?xml version="1.0" encoding="utf-8"?>
+<p:sld xmlns:a="http://schemas.openxmlformats.org/drawingml/2006/main" xmlns:r="http://schemas.openxmlformats.org/officeDocument/2006/relationships" xmlns:p="http://schemas.openxmlformats.org/presentationml/2006/main">
+  <p:cSld>
+    <p:spTree>
+      <p:nvGrpSpPr>
+        <p:cNvPr id="1" name=""/>
+        <p:cNvGrpSpPr/>
+        <p:nvPr/>
+      </p:nvGrpSpPr>
+      <p:grpSpPr>
+        <a:xfrm>
+          <a:off x="0" y="0"/>
+          <a:ext cx="0" cy="0"/>
+          <a:chOff x="0" y="0"/>
+          <a:chExt cx="0" cy="0"/>
+        </a:xfrm>
+      </p:grpSpPr>
+      <p:sp>
+        <p:nvSpPr>
+          <p:cNvPr id="2" name="Title 1">
+            <a:extLst>
+              <a:ext uri="{FF2B5EF4-FFF2-40B4-BE49-F238E27FC236}">
+                <a16:creationId xmlns:a16="http://schemas.microsoft.com/office/drawing/2014/main" id="{4642987E-A3D9-424A-B24D-6659353985D4}"/>
+              </a:ext>
+            </a:extLst>
+          </p:cNvPr>
+          <p:cNvSpPr>
+            <a:spLocks noGrp="1"/>
+          </p:cNvSpPr>
+          <p:nvPr>
+            <p:ph type="title"/>
+          </p:nvPr>
+        </p:nvSpPr>
+        <p:spPr/>
+        <p:txBody>
+          <a:bodyPr/>
+          <a:lstStyle/>
+          <a:p>
+            <a:r>
+              <a:rPr lang="en-US" dirty="0"/>
+              <a:t>Results (ranking implicit feedback)</a:t>
+            </a:r>
+          </a:p>
+        </p:txBody>
+      </p:sp>
+      <p:pic>
+        <p:nvPicPr>
+          <p:cNvPr id="5" name="Content Placeholder 4">
+            <a:extLst>
+              <a:ext uri="{FF2B5EF4-FFF2-40B4-BE49-F238E27FC236}">
+                <a16:creationId xmlns:a16="http://schemas.microsoft.com/office/drawing/2014/main" id="{8077E39F-749F-9F48-A4F9-90FDDF23803B}"/>
+              </a:ext>
+            </a:extLst>
+          </p:cNvPr>
+          <p:cNvPicPr>
+            <a:picLocks noGrp="1" noChangeAspect="1"/>
+          </p:cNvPicPr>
+          <p:nvPr>
+            <p:ph idx="1"/>
+          </p:nvPr>
+        </p:nvPicPr>
+        <p:blipFill>
+          <a:blip r:embed="rId2">
+            <a:extLst>
+              <a:ext uri="{28A0092B-C50C-407E-A947-70E740481C1C}">
+                <a14:useLocalDpi xmlns:a14="http://schemas.microsoft.com/office/drawing/2010/main" val="0"/>
+              </a:ext>
+            </a:extLst>
+          </a:blip>
+          <a:stretch>
+            <a:fillRect/>
+          </a:stretch>
+        </p:blipFill>
+        <p:spPr>
+          <a:xfrm>
+            <a:off x="457200" y="1625571"/>
+            <a:ext cx="8229600" cy="4475220"/>
+          </a:xfrm>
+        </p:spPr>
+      </p:pic>
+    </p:spTree>
+    <p:extLst>
+      <p:ext uri="{BB962C8B-B14F-4D97-AF65-F5344CB8AC3E}">
+        <p14:creationId xmlns:p14="http://schemas.microsoft.com/office/powerpoint/2010/main" val="3883838033"/>
+      </p:ext>
+    </p:extLst>
+  </p:cSld>
+  <p:clrMapOvr>
+    <a:masterClrMapping/>
+  </p:clrMapOvr>
+</p:sld>
+</file>
+
+<file path=ppt/slides/slide9.xml><?xml version="1.0" encoding="utf-8"?>
+<p:sld xmlns:a="http://schemas.openxmlformats.org/drawingml/2006/main" xmlns:r="http://schemas.openxmlformats.org/officeDocument/2006/relationships" xmlns:p="http://schemas.openxmlformats.org/presentationml/2006/main">
+  <p:cSld>
+    <p:spTree>
+      <p:nvGrpSpPr>
+        <p:cNvPr id="1" name=""/>
+        <p:cNvGrpSpPr/>
+        <p:nvPr/>
+      </p:nvGrpSpPr>
+      <p:grpSpPr>
+        <a:xfrm>
+          <a:off x="0" y="0"/>
+          <a:ext cx="0" cy="0"/>
+          <a:chOff x="0" y="0"/>
+          <a:chExt cx="0" cy="0"/>
+        </a:xfrm>
+      </p:grpSpPr>
+      <p:sp>
+        <p:nvSpPr>
+          <p:cNvPr id="2" name="Title 1">
+            <a:extLst>
+              <a:ext uri="{FF2B5EF4-FFF2-40B4-BE49-F238E27FC236}">
+                <a16:creationId xmlns:a16="http://schemas.microsoft.com/office/drawing/2014/main" id="{27CEC4A3-5681-6C47-81CC-963BA51D5F3E}"/>
+              </a:ext>
+            </a:extLst>
+          </p:cNvPr>
+          <p:cNvSpPr>
+            <a:spLocks noGrp="1"/>
+          </p:cNvSpPr>
+          <p:nvPr>
+            <p:ph type="title"/>
+          </p:nvPr>
+        </p:nvSpPr>
+        <p:spPr/>
+        <p:txBody>
+          <a:bodyPr/>
+          <a:lstStyle/>
+          <a:p>
+            <a:r>
+              <a:rPr lang="en-US" dirty="0"/>
+              <a:t>Conclusion</a:t>
+            </a:r>
+          </a:p>
+        </p:txBody>
+      </p:sp>
+      <p:sp>
+        <p:nvSpPr>
+          <p:cNvPr id="3" name="Content Placeholder 2">
+            <a:extLst>
+              <a:ext uri="{FF2B5EF4-FFF2-40B4-BE49-F238E27FC236}">
+                <a16:creationId xmlns:a16="http://schemas.microsoft.com/office/drawing/2014/main" id="{D63F2D5C-DA49-8949-9B39-1264EC45ECC0}"/>
+              </a:ext>
+            </a:extLst>
+          </p:cNvPr>
+          <p:cNvSpPr>
+            <a:spLocks noGrp="1"/>
+          </p:cNvSpPr>
+          <p:nvPr>
+            <p:ph idx="1"/>
+          </p:nvPr>
+        </p:nvSpPr>
+        <p:spPr/>
+        <p:txBody>
+          <a:bodyPr/>
+          <a:lstStyle/>
+          <a:p>
+            <a:r>
+              <a:rPr lang="en-US" altLang="zh-CN" dirty="0"/>
+              <a:t>T</a:t>
+            </a:r>
+            <a:r>
+              <a:rPr lang="en-US" dirty="0"/>
+              <a:t>he proposed non-compensatory framework </a:t>
+            </a:r>
+            <a:r>
+              <a:rPr lang="en-US" dirty="0">
+                <a:solidFill>
+                  <a:srgbClr val="FF0000"/>
+                </a:solidFill>
+              </a:rPr>
+              <a:t>universally</a:t>
+            </a:r>
+            <a:r>
+              <a:rPr lang="en-US" dirty="0"/>
+              <a:t> improves recommendation performances of different existing models </a:t>
+            </a:r>
+          </a:p>
+          <a:p>
+            <a:pPr lvl="1"/>
+            <a:r>
+              <a:rPr lang="en-US" altLang="zh-CN" dirty="0"/>
+              <a:t>Rating</a:t>
+            </a:r>
+            <a:r>
+              <a:rPr lang="zh-CN" altLang="en-US" dirty="0"/>
+              <a:t> </a:t>
+            </a:r>
+            <a:r>
+              <a:rPr lang="en-US" altLang="zh-CN" dirty="0"/>
+              <a:t>models</a:t>
+            </a:r>
+          </a:p>
+          <a:p>
+            <a:pPr lvl="1"/>
+            <a:r>
+              <a:rPr lang="en-US" altLang="zh-CN" dirty="0"/>
+              <a:t>Ranking</a:t>
+            </a:r>
+            <a:r>
+              <a:rPr lang="zh-CN" altLang="en-US" dirty="0"/>
+              <a:t> </a:t>
+            </a:r>
+            <a:r>
+              <a:rPr lang="en-US" altLang="zh-CN"/>
+              <a:t>models</a:t>
+            </a:r>
+            <a:endParaRPr lang="en-US" dirty="0"/>
+          </a:p>
+          <a:p>
+            <a:endParaRPr lang="en-US" dirty="0"/>
+          </a:p>
+        </p:txBody>
+      </p:sp>
+    </p:spTree>
+    <p:extLst>
+      <p:ext uri="{BB962C8B-B14F-4D97-AF65-F5344CB8AC3E}">
+        <p14:creationId xmlns:p14="http://schemas.microsoft.com/office/powerpoint/2010/main" val="3693853134"/>
+      </p:ext>
+    </p:extLst>
   </p:cSld>
   <p:clrMapOvr>
     <a:masterClrMapping/>
@@ -3372,4 +7183,299 @@
   <a:objectDefaults/>
   <a:extraClrSchemeLst/>
 </a:theme>
+</file>
+
+<file path=ppt/theme/theme2.xml><?xml version="1.0" encoding="utf-8"?>
+<a:theme xmlns:a="http://schemas.openxmlformats.org/drawingml/2006/main" name="Office Theme">
+  <a:themeElements>
+    <a:clrScheme name="Office">
+      <a:dk1>
+        <a:sysClr val="windowText" lastClr="000000"/>
+      </a:dk1>
+      <a:lt1>
+        <a:sysClr val="window" lastClr="FFFFFF"/>
+      </a:lt1>
+      <a:dk2>
+        <a:srgbClr val="44546A"/>
+      </a:dk2>
+      <a:lt2>
+        <a:srgbClr val="E7E6E6"/>
+      </a:lt2>
+      <a:accent1>
+        <a:srgbClr val="4472C4"/>
+      </a:accent1>
+      <a:accent2>
+        <a:srgbClr val="ED7D31"/>
+      </a:accent2>
+      <a:accent3>
+        <a:srgbClr val="A5A5A5"/>
+      </a:accent3>
+      <a:accent4>
+        <a:srgbClr val="FFC000"/>
+      </a:accent4>
+      <a:accent5>
+        <a:srgbClr val="5B9BD5"/>
+      </a:accent5>
+      <a:accent6>
+        <a:srgbClr val="70AD47"/>
+      </a:accent6>
+      <a:hlink>
+        <a:srgbClr val="0563C1"/>
+      </a:hlink>
+      <a:folHlink>
+        <a:srgbClr val="954F72"/>
+      </a:folHlink>
+    </a:clrScheme>
+    <a:fontScheme name="Office">
+      <a:majorFont>
+        <a:latin typeface="Calibri Light" panose="020F0302020204030204"/>
+        <a:ea typeface=""/>
+        <a:cs typeface=""/>
+        <a:font script="Jpan" typeface="游ゴシック Light"/>
+        <a:font script="Hang" typeface="맑은 고딕"/>
+        <a:font script="Hans" typeface="等线 Light"/>
+        <a:font script="Hant" typeface="新細明體"/>
+        <a:font script="Arab" typeface="Times New Roman"/>
+        <a:font script="Hebr" typeface="Times New Roman"/>
+        <a:font script="Thai" typeface="Angsana New"/>
+        <a:font script="Ethi" typeface="Nyala"/>
+        <a:font script="Beng" typeface="Vrinda"/>
+        <a:font script="Gujr" typeface="Shruti"/>
+        <a:font script="Khmr" typeface="MoolBoran"/>
+        <a:font script="Knda" typeface="Tunga"/>
+        <a:font script="Guru" typeface="Raavi"/>
+        <a:font script="Cans" typeface="Euphemia"/>
+        <a:font script="Cher" typeface="Plantagenet Cherokee"/>
+        <a:font script="Yiii" typeface="Microsoft Yi Baiti"/>
+        <a:font script="Tibt" typeface="Microsoft Himalaya"/>
+        <a:font script="Thaa" typeface="MV Boli"/>
+        <a:font script="Deva" typeface="Mangal"/>
+        <a:font script="Telu" typeface="Gautami"/>
+        <a:font script="Taml" typeface="Latha"/>
+        <a:font script="Syrc" typeface="Estrangelo Edessa"/>
+        <a:font script="Orya" typeface="Kalinga"/>
+        <a:font script="Mlym" typeface="Kartika"/>
+        <a:font script="Laoo" typeface="DokChampa"/>
+        <a:font script="Sinh" typeface="Iskoola Pota"/>
+        <a:font script="Mong" typeface="Mongolian Baiti"/>
+        <a:font script="Viet" typeface="Times New Roman"/>
+        <a:font script="Uigh" typeface="Microsoft Uighur"/>
+        <a:font script="Geor" typeface="Sylfaen"/>
+        <a:font script="Armn" typeface="Arial"/>
+        <a:font script="Bugi" typeface="Leelawadee UI"/>
+        <a:font script="Bopo" typeface="Microsoft JhengHei"/>
+        <a:font script="Java" typeface="Javanese Text"/>
+        <a:font script="Lisu" typeface="Segoe UI"/>
+        <a:font script="Mymr" typeface="Myanmar Text"/>
+        <a:font script="Nkoo" typeface="Ebrima"/>
+        <a:font script="Olck" typeface="Nirmala UI"/>
+        <a:font script="Osma" typeface="Ebrima"/>
+        <a:font script="Phag" typeface="Phagspa"/>
+        <a:font script="Syrn" typeface="Estrangelo Edessa"/>
+        <a:font script="Syrj" typeface="Estrangelo Edessa"/>
+        <a:font script="Syre" typeface="Estrangelo Edessa"/>
+        <a:font script="Sora" typeface="Nirmala UI"/>
+        <a:font script="Tale" typeface="Microsoft Tai Le"/>
+        <a:font script="Talu" typeface="Microsoft New Tai Lue"/>
+        <a:font script="Tfng" typeface="Ebrima"/>
+      </a:majorFont>
+      <a:minorFont>
+        <a:latin typeface="Calibri" panose="020F0502020204030204"/>
+        <a:ea typeface=""/>
+        <a:cs typeface=""/>
+        <a:font script="Jpan" typeface="游ゴシック"/>
+        <a:font script="Hang" typeface="맑은 고딕"/>
+        <a:font script="Hans" typeface="等线"/>
+        <a:font script="Hant" typeface="新細明體"/>
+        <a:font script="Arab" typeface="Arial"/>
+        <a:font script="Hebr" typeface="Arial"/>
+        <a:font script="Thai" typeface="Cordia New"/>
+        <a:font script="Ethi" typeface="Nyala"/>
+        <a:font script="Beng" typeface="Vrinda"/>
+        <a:font script="Gujr" typeface="Shruti"/>
+        <a:font script="Khmr" typeface="DaunPenh"/>
+        <a:font script="Knda" typeface="Tunga"/>
+        <a:font script="Guru" typeface="Raavi"/>
+        <a:font script="Cans" typeface="Euphemia"/>
+        <a:font script="Cher" typeface="Plantagenet Cherokee"/>
+        <a:font script="Yiii" typeface="Microsoft Yi Baiti"/>
+        <a:font script="Tibt" typeface="Microsoft Himalaya"/>
+        <a:font script="Thaa" typeface="MV Boli"/>
+        <a:font script="Deva" typeface="Mangal"/>
+        <a:font script="Telu" typeface="Gautami"/>
+        <a:font script="Taml" typeface="Latha"/>
+        <a:font script="Syrc" typeface="Estrangelo Edessa"/>
+        <a:font script="Orya" typeface="Kalinga"/>
+        <a:font script="Mlym" typeface="Kartika"/>
+        <a:font script="Laoo" typeface="DokChampa"/>
+        <a:font script="Sinh" typeface="Iskoola Pota"/>
+        <a:font script="Mong" typeface="Mongolian Baiti"/>
+        <a:font script="Viet" typeface="Arial"/>
+        <a:font script="Uigh" typeface="Microsoft Uighur"/>
+        <a:font script="Geor" typeface="Sylfaen"/>
+        <a:font script="Armn" typeface="Arial"/>
+        <a:font script="Bugi" typeface="Leelawadee UI"/>
+        <a:font script="Bopo" typeface="Microsoft JhengHei"/>
+        <a:font script="Java" typeface="Javanese Text"/>
+        <a:font script="Lisu" typeface="Segoe UI"/>
+        <a:font script="Mymr" typeface="Myanmar Text"/>
+        <a:font script="Nkoo" typeface="Ebrima"/>
+        <a:font script="Olck" typeface="Nirmala UI"/>
+        <a:font script="Osma" typeface="Ebrima"/>
+        <a:font script="Phag" typeface="Phagspa"/>
+        <a:font script="Syrn" typeface="Estrangelo Edessa"/>
+        <a:font script="Syrj" typeface="Estrangelo Edessa"/>
+        <a:font script="Syre" typeface="Estrangelo Edessa"/>
+        <a:font script="Sora" typeface="Nirmala UI"/>
+        <a:font script="Tale" typeface="Microsoft Tai Le"/>
+        <a:font script="Talu" typeface="Microsoft New Tai Lue"/>
+        <a:font script="Tfng" typeface="Ebrima"/>
+      </a:minorFont>
+    </a:fontScheme>
+    <a:fmtScheme name="Office">
+      <a:fillStyleLst>
+        <a:solidFill>
+          <a:schemeClr val="phClr"/>
+        </a:solidFill>
+        <a:gradFill rotWithShape="1">
+          <a:gsLst>
+            <a:gs pos="0">
+              <a:schemeClr val="phClr">
+                <a:lumMod val="110000"/>
+                <a:satMod val="105000"/>
+                <a:tint val="67000"/>
+              </a:schemeClr>
+            </a:gs>
+            <a:gs pos="50000">
+              <a:schemeClr val="phClr">
+                <a:lumMod val="105000"/>
+                <a:satMod val="103000"/>
+                <a:tint val="73000"/>
+              </a:schemeClr>
+            </a:gs>
+            <a:gs pos="100000">
+              <a:schemeClr val="phClr">
+                <a:lumMod val="105000"/>
+                <a:satMod val="109000"/>
+                <a:tint val="81000"/>
+              </a:schemeClr>
+            </a:gs>
+          </a:gsLst>
+          <a:lin ang="5400000" scaled="0"/>
+        </a:gradFill>
+        <a:gradFill rotWithShape="1">
+          <a:gsLst>
+            <a:gs pos="0">
+              <a:schemeClr val="phClr">
+                <a:satMod val="103000"/>
+                <a:lumMod val="102000"/>
+                <a:tint val="94000"/>
+              </a:schemeClr>
+            </a:gs>
+            <a:gs pos="50000">
+              <a:schemeClr val="phClr">
+                <a:satMod val="110000"/>
+                <a:lumMod val="100000"/>
+                <a:shade val="100000"/>
+              </a:schemeClr>
+            </a:gs>
+            <a:gs pos="100000">
+              <a:schemeClr val="phClr">
+                <a:lumMod val="99000"/>
+                <a:satMod val="120000"/>
+                <a:shade val="78000"/>
+              </a:schemeClr>
+            </a:gs>
+          </a:gsLst>
+          <a:lin ang="5400000" scaled="0"/>
+        </a:gradFill>
+      </a:fillStyleLst>
+      <a:lnStyleLst>
+        <a:ln w="6350" cap="flat" cmpd="sng" algn="ctr">
+          <a:solidFill>
+            <a:schemeClr val="phClr"/>
+          </a:solidFill>
+          <a:prstDash val="solid"/>
+          <a:miter lim="800000"/>
+        </a:ln>
+        <a:ln w="12700" cap="flat" cmpd="sng" algn="ctr">
+          <a:solidFill>
+            <a:schemeClr val="phClr"/>
+          </a:solidFill>
+          <a:prstDash val="solid"/>
+          <a:miter lim="800000"/>
+        </a:ln>
+        <a:ln w="19050" cap="flat" cmpd="sng" algn="ctr">
+          <a:solidFill>
+            <a:schemeClr val="phClr"/>
+          </a:solidFill>
+          <a:prstDash val="solid"/>
+          <a:miter lim="800000"/>
+        </a:ln>
+      </a:lnStyleLst>
+      <a:effectStyleLst>
+        <a:effectStyle>
+          <a:effectLst/>
+        </a:effectStyle>
+        <a:effectStyle>
+          <a:effectLst/>
+        </a:effectStyle>
+        <a:effectStyle>
+          <a:effectLst>
+            <a:outerShdw blurRad="57150" dist="19050" dir="5400000" algn="ctr" rotWithShape="0">
+              <a:srgbClr val="000000">
+                <a:alpha val="63000"/>
+              </a:srgbClr>
+            </a:outerShdw>
+          </a:effectLst>
+        </a:effectStyle>
+      </a:effectStyleLst>
+      <a:bgFillStyleLst>
+        <a:solidFill>
+          <a:schemeClr val="phClr"/>
+        </a:solidFill>
+        <a:solidFill>
+          <a:schemeClr val="phClr">
+            <a:tint val="95000"/>
+            <a:satMod val="170000"/>
+          </a:schemeClr>
+        </a:solidFill>
+        <a:gradFill rotWithShape="1">
+          <a:gsLst>
+            <a:gs pos="0">
+              <a:schemeClr val="phClr">
+                <a:tint val="93000"/>
+                <a:satMod val="150000"/>
+                <a:shade val="98000"/>
+                <a:lumMod val="102000"/>
+              </a:schemeClr>
+            </a:gs>
+            <a:gs pos="50000">
+              <a:schemeClr val="phClr">
+                <a:tint val="98000"/>
+                <a:satMod val="130000"/>
+                <a:shade val="90000"/>
+                <a:lumMod val="103000"/>
+              </a:schemeClr>
+            </a:gs>
+            <a:gs pos="100000">
+              <a:schemeClr val="phClr">
+                <a:shade val="63000"/>
+                <a:satMod val="120000"/>
+              </a:schemeClr>
+            </a:gs>
+          </a:gsLst>
+          <a:lin ang="5400000" scaled="0"/>
+        </a:gradFill>
+      </a:bgFillStyleLst>
+    </a:fmtScheme>
+  </a:themeElements>
+  <a:objectDefaults/>
+  <a:extraClrSchemeLst/>
+  <a:extLst>
+    <a:ext uri="{05A4C25C-085E-4340-85A3-A5531E510DB2}">
+      <thm15:themeFamily xmlns:thm15="http://schemas.microsoft.com/office/thememl/2012/main" name="Office Theme" id="{62F939B6-93AF-4DB8-9C6B-D6C7DFDC589F}" vid="{4A3C46E8-61CC-4603-A589-7422A47A8E4A}"/>
+    </a:ext>
+  </a:extLst>
+</a:theme>
 </file>